--- a/plot.pptx
+++ b/plot.pptx
@@ -2,19 +2,20 @@
 <file path=ppt/presentation.xml><?xml version="1.0" encoding="utf-8"?>
 <p:presentation xmlns:a="http://schemas.openxmlformats.org/drawingml/2006/main" xmlns:r="http://schemas.openxmlformats.org/officeDocument/2006/relationships" xmlns:p="http://schemas.openxmlformats.org/presentationml/2006/main" saveSubsetFonts="1">
   <p:sldMasterIdLst>
-    <p:sldMasterId id="2147483648" r:id="rId1"/>
+    <p:sldMasterId id="2147483660" r:id="rId1"/>
   </p:sldMasterIdLst>
   <p:sldIdLst>
     <p:sldId id="256" r:id="rId2"/>
     <p:sldId id="257" r:id="rId3"/>
+    <p:sldId id="258" r:id="rId4"/>
   </p:sldIdLst>
-  <p:sldSz cx="12192000" cy="6858000"/>
+  <p:sldSz cx="9144000" cy="6858000" type="screen4x3"/>
   <p:notesSz cx="6858000" cy="9144000"/>
   <p:defaultTextStyle>
     <a:defPPr>
       <a:defRPr lang="en-US"/>
     </a:defPPr>
-    <a:lvl1pPr marL="0" algn="l" defTabSz="914400" rtl="0" eaLnBrk="1" latinLnBrk="0" hangingPunct="1">
+    <a:lvl1pPr marL="0" algn="l" defTabSz="457200" rtl="0" eaLnBrk="1" latinLnBrk="0" hangingPunct="1">
       <a:defRPr sz="1800" kern="1200">
         <a:solidFill>
           <a:schemeClr val="tx1"/>
@@ -24,7 +25,7 @@
         <a:cs typeface="+mn-cs"/>
       </a:defRPr>
     </a:lvl1pPr>
-    <a:lvl2pPr marL="457200" algn="l" defTabSz="914400" rtl="0" eaLnBrk="1" latinLnBrk="0" hangingPunct="1">
+    <a:lvl2pPr marL="457200" algn="l" defTabSz="457200" rtl="0" eaLnBrk="1" latinLnBrk="0" hangingPunct="1">
       <a:defRPr sz="1800" kern="1200">
         <a:solidFill>
           <a:schemeClr val="tx1"/>
@@ -34,7 +35,7 @@
         <a:cs typeface="+mn-cs"/>
       </a:defRPr>
     </a:lvl2pPr>
-    <a:lvl3pPr marL="914400" algn="l" defTabSz="914400" rtl="0" eaLnBrk="1" latinLnBrk="0" hangingPunct="1">
+    <a:lvl3pPr marL="914400" algn="l" defTabSz="457200" rtl="0" eaLnBrk="1" latinLnBrk="0" hangingPunct="1">
       <a:defRPr sz="1800" kern="1200">
         <a:solidFill>
           <a:schemeClr val="tx1"/>
@@ -44,7 +45,7 @@
         <a:cs typeface="+mn-cs"/>
       </a:defRPr>
     </a:lvl3pPr>
-    <a:lvl4pPr marL="1371600" algn="l" defTabSz="914400" rtl="0" eaLnBrk="1" latinLnBrk="0" hangingPunct="1">
+    <a:lvl4pPr marL="1371600" algn="l" defTabSz="457200" rtl="0" eaLnBrk="1" latinLnBrk="0" hangingPunct="1">
       <a:defRPr sz="1800" kern="1200">
         <a:solidFill>
           <a:schemeClr val="tx1"/>
@@ -54,7 +55,7 @@
         <a:cs typeface="+mn-cs"/>
       </a:defRPr>
     </a:lvl4pPr>
-    <a:lvl5pPr marL="1828800" algn="l" defTabSz="914400" rtl="0" eaLnBrk="1" latinLnBrk="0" hangingPunct="1">
+    <a:lvl5pPr marL="1828800" algn="l" defTabSz="457200" rtl="0" eaLnBrk="1" latinLnBrk="0" hangingPunct="1">
       <a:defRPr sz="1800" kern="1200">
         <a:solidFill>
           <a:schemeClr val="tx1"/>
@@ -64,7 +65,7 @@
         <a:cs typeface="+mn-cs"/>
       </a:defRPr>
     </a:lvl5pPr>
-    <a:lvl6pPr marL="2286000" algn="l" defTabSz="914400" rtl="0" eaLnBrk="1" latinLnBrk="0" hangingPunct="1">
+    <a:lvl6pPr marL="2286000" algn="l" defTabSz="457200" rtl="0" eaLnBrk="1" latinLnBrk="0" hangingPunct="1">
       <a:defRPr sz="1800" kern="1200">
         <a:solidFill>
           <a:schemeClr val="tx1"/>
@@ -74,7 +75,7 @@
         <a:cs typeface="+mn-cs"/>
       </a:defRPr>
     </a:lvl6pPr>
-    <a:lvl7pPr marL="2743200" algn="l" defTabSz="914400" rtl="0" eaLnBrk="1" latinLnBrk="0" hangingPunct="1">
+    <a:lvl7pPr marL="2743200" algn="l" defTabSz="457200" rtl="0" eaLnBrk="1" latinLnBrk="0" hangingPunct="1">
       <a:defRPr sz="1800" kern="1200">
         <a:solidFill>
           <a:schemeClr val="tx1"/>
@@ -84,7 +85,7 @@
         <a:cs typeface="+mn-cs"/>
       </a:defRPr>
     </a:lvl7pPr>
-    <a:lvl8pPr marL="3200400" algn="l" defTabSz="914400" rtl="0" eaLnBrk="1" latinLnBrk="0" hangingPunct="1">
+    <a:lvl8pPr marL="3200400" algn="l" defTabSz="457200" rtl="0" eaLnBrk="1" latinLnBrk="0" hangingPunct="1">
       <a:defRPr sz="1800" kern="1200">
         <a:solidFill>
           <a:schemeClr val="tx1"/>
@@ -94,7 +95,7 @@
         <a:cs typeface="+mn-cs"/>
       </a:defRPr>
     </a:lvl8pPr>
-    <a:lvl9pPr marL="3657600" algn="l" defTabSz="914400" rtl="0" eaLnBrk="1" latinLnBrk="0" hangingPunct="1">
+    <a:lvl9pPr marL="3657600" algn="l" defTabSz="457200" rtl="0" eaLnBrk="1" latinLnBrk="0" hangingPunct="1">
       <a:defRPr sz="1800" kern="1200">
         <a:solidFill>
           <a:schemeClr val="tx1"/>
@@ -115,7 +116,7 @@
 
 <file path=ppt/slideLayouts/slideLayout1.xml><?xml version="1.0" encoding="utf-8"?>
 <p:sldLayout xmlns:a="http://schemas.openxmlformats.org/drawingml/2006/main" xmlns:r="http://schemas.openxmlformats.org/officeDocument/2006/relationships" xmlns:p="http://schemas.openxmlformats.org/presentationml/2006/main" type="title" preserve="1">
-  <p:cSld name="Title Slide">
+  <p:cSld name="标题幻灯片">
     <p:spTree>
       <p:nvGrpSpPr>
         <p:cNvPr id="1" name=""/>
@@ -142,8 +143,8 @@
         </p:nvSpPr>
         <p:spPr>
           <a:xfrm>
-            <a:off x="1524000" y="1122363"/>
-            <a:ext cx="9144000" cy="2387600"/>
+            <a:off x="685800" y="1122363"/>
+            <a:ext cx="7772400" cy="2387600"/>
           </a:xfrm>
         </p:spPr>
         <p:txBody>
@@ -155,10 +156,10 @@
           </a:lstStyle>
           <a:p>
             <a:r>
-              <a:rPr lang="en-US" smtClean="0"/>
-              <a:t>Click to edit Master title style</a:t>
-            </a:r>
-            <a:endParaRPr lang="en-US"/>
+              <a:rPr lang="zh-CN" altLang="en-US"/>
+              <a:t>单击此处编辑母版标题样式</a:t>
+            </a:r>
+            <a:endParaRPr lang="en-US" dirty="0"/>
           </a:p>
         </p:txBody>
       </p:sp>
@@ -174,8 +175,8 @@
         </p:nvSpPr>
         <p:spPr>
           <a:xfrm>
-            <a:off x="1524000" y="3602038"/>
-            <a:ext cx="9144000" cy="1655762"/>
+            <a:off x="1143000" y="3602038"/>
+            <a:ext cx="6858000" cy="1655762"/>
           </a:xfrm>
         </p:spPr>
         <p:txBody>
@@ -220,10 +221,10 @@
           </a:lstStyle>
           <a:p>
             <a:r>
-              <a:rPr lang="en-US" smtClean="0"/>
-              <a:t>Click to edit Master subtitle style</a:t>
-            </a:r>
-            <a:endParaRPr lang="en-US"/>
+              <a:rPr lang="zh-CN" altLang="en-US"/>
+              <a:t>单击此处编辑母版副标题样式</a:t>
+            </a:r>
+            <a:endParaRPr lang="en-US" dirty="0"/>
           </a:p>
         </p:txBody>
       </p:sp>
@@ -295,7 +296,7 @@
     </p:spTree>
     <p:extLst>
       <p:ext uri="{BB962C8B-B14F-4D97-AF65-F5344CB8AC3E}">
-        <p14:creationId xmlns:p14="http://schemas.microsoft.com/office/powerpoint/2010/main" val="1354616351"/>
+        <p14:creationId xmlns:p14="http://schemas.microsoft.com/office/powerpoint/2010/main" val="839312965"/>
       </p:ext>
     </p:extLst>
   </p:cSld>
@@ -307,7 +308,7 @@
 
 <file path=ppt/slideLayouts/slideLayout10.xml><?xml version="1.0" encoding="utf-8"?>
 <p:sldLayout xmlns:a="http://schemas.openxmlformats.org/drawingml/2006/main" xmlns:r="http://schemas.openxmlformats.org/officeDocument/2006/relationships" xmlns:p="http://schemas.openxmlformats.org/presentationml/2006/main" type="vertTx" preserve="1">
-  <p:cSld name="Title and Vertical Text">
+  <p:cSld name="标题和竖排文字">
     <p:spTree>
       <p:nvGrpSpPr>
         <p:cNvPr id="1" name=""/>
@@ -338,10 +339,10 @@
           <a:lstStyle/>
           <a:p>
             <a:r>
-              <a:rPr lang="en-US" smtClean="0"/>
-              <a:t>Click to edit Master title style</a:t>
-            </a:r>
-            <a:endParaRPr lang="en-US"/>
+              <a:rPr lang="zh-CN" altLang="en-US"/>
+              <a:t>单击此处编辑母版标题样式</a:t>
+            </a:r>
+            <a:endParaRPr lang="en-US" dirty="0"/>
           </a:p>
         </p:txBody>
       </p:sp>
@@ -362,38 +363,38 @@
           <a:p>
             <a:pPr lvl="0"/>
             <a:r>
-              <a:rPr lang="en-US" smtClean="0"/>
-              <a:t>Edit Master text styles</a:t>
+              <a:rPr lang="zh-CN" altLang="en-US"/>
+              <a:t>编辑母版文本样式</a:t>
             </a:r>
           </a:p>
           <a:p>
             <a:pPr lvl="1"/>
             <a:r>
-              <a:rPr lang="en-US" smtClean="0"/>
-              <a:t>Second level</a:t>
+              <a:rPr lang="zh-CN" altLang="en-US"/>
+              <a:t>第二级</a:t>
             </a:r>
           </a:p>
           <a:p>
             <a:pPr lvl="2"/>
             <a:r>
-              <a:rPr lang="en-US" smtClean="0"/>
-              <a:t>Third level</a:t>
+              <a:rPr lang="zh-CN" altLang="en-US"/>
+              <a:t>第三级</a:t>
             </a:r>
           </a:p>
           <a:p>
             <a:pPr lvl="3"/>
             <a:r>
-              <a:rPr lang="en-US" smtClean="0"/>
-              <a:t>Fourth level</a:t>
+              <a:rPr lang="zh-CN" altLang="en-US"/>
+              <a:t>第四级</a:t>
             </a:r>
           </a:p>
           <a:p>
             <a:pPr lvl="4"/>
             <a:r>
-              <a:rPr lang="en-US" smtClean="0"/>
-              <a:t>Fifth level</a:t>
-            </a:r>
-            <a:endParaRPr lang="en-US"/>
+              <a:rPr lang="zh-CN" altLang="en-US"/>
+              <a:t>第五级</a:t>
+            </a:r>
+            <a:endParaRPr lang="en-US" dirty="0"/>
           </a:p>
         </p:txBody>
       </p:sp>
@@ -465,7 +466,7 @@
     </p:spTree>
     <p:extLst>
       <p:ext uri="{BB962C8B-B14F-4D97-AF65-F5344CB8AC3E}">
-        <p14:creationId xmlns:p14="http://schemas.microsoft.com/office/powerpoint/2010/main" val="64760356"/>
+        <p14:creationId xmlns:p14="http://schemas.microsoft.com/office/powerpoint/2010/main" val="2100601499"/>
       </p:ext>
     </p:extLst>
   </p:cSld>
@@ -477,7 +478,7 @@
 
 <file path=ppt/slideLayouts/slideLayout11.xml><?xml version="1.0" encoding="utf-8"?>
 <p:sldLayout xmlns:a="http://schemas.openxmlformats.org/drawingml/2006/main" xmlns:r="http://schemas.openxmlformats.org/officeDocument/2006/relationships" xmlns:p="http://schemas.openxmlformats.org/presentationml/2006/main" type="vertTitleAndTx" preserve="1">
-  <p:cSld name="Vertical Title and Text">
+  <p:cSld name="竖排标题与文本">
     <p:spTree>
       <p:nvGrpSpPr>
         <p:cNvPr id="1" name=""/>
@@ -504,8 +505,8 @@
         </p:nvSpPr>
         <p:spPr>
           <a:xfrm>
-            <a:off x="8724900" y="365125"/>
-            <a:ext cx="2628900" cy="5811838"/>
+            <a:off x="6543675" y="365125"/>
+            <a:ext cx="1971675" cy="5811838"/>
           </a:xfrm>
         </p:spPr>
         <p:txBody>
@@ -513,10 +514,10 @@
           <a:lstStyle/>
           <a:p>
             <a:r>
-              <a:rPr lang="en-US" smtClean="0"/>
-              <a:t>Click to edit Master title style</a:t>
-            </a:r>
-            <a:endParaRPr lang="en-US"/>
+              <a:rPr lang="zh-CN" altLang="en-US"/>
+              <a:t>单击此处编辑母版标题样式</a:t>
+            </a:r>
+            <a:endParaRPr lang="en-US" dirty="0"/>
           </a:p>
         </p:txBody>
       </p:sp>
@@ -532,8 +533,8 @@
         </p:nvSpPr>
         <p:spPr>
           <a:xfrm>
-            <a:off x="838200" y="365125"/>
-            <a:ext cx="7734300" cy="5811838"/>
+            <a:off x="628650" y="365125"/>
+            <a:ext cx="5800725" cy="5811838"/>
           </a:xfrm>
         </p:spPr>
         <p:txBody>
@@ -542,38 +543,38 @@
           <a:p>
             <a:pPr lvl="0"/>
             <a:r>
-              <a:rPr lang="en-US" smtClean="0"/>
-              <a:t>Edit Master text styles</a:t>
+              <a:rPr lang="zh-CN" altLang="en-US"/>
+              <a:t>编辑母版文本样式</a:t>
             </a:r>
           </a:p>
           <a:p>
             <a:pPr lvl="1"/>
             <a:r>
-              <a:rPr lang="en-US" smtClean="0"/>
-              <a:t>Second level</a:t>
+              <a:rPr lang="zh-CN" altLang="en-US"/>
+              <a:t>第二级</a:t>
             </a:r>
           </a:p>
           <a:p>
             <a:pPr lvl="2"/>
             <a:r>
-              <a:rPr lang="en-US" smtClean="0"/>
-              <a:t>Third level</a:t>
+              <a:rPr lang="zh-CN" altLang="en-US"/>
+              <a:t>第三级</a:t>
             </a:r>
           </a:p>
           <a:p>
             <a:pPr lvl="3"/>
             <a:r>
-              <a:rPr lang="en-US" smtClean="0"/>
-              <a:t>Fourth level</a:t>
+              <a:rPr lang="zh-CN" altLang="en-US"/>
+              <a:t>第四级</a:t>
             </a:r>
           </a:p>
           <a:p>
             <a:pPr lvl="4"/>
             <a:r>
-              <a:rPr lang="en-US" smtClean="0"/>
-              <a:t>Fifth level</a:t>
-            </a:r>
-            <a:endParaRPr lang="en-US"/>
+              <a:rPr lang="zh-CN" altLang="en-US"/>
+              <a:t>第五级</a:t>
+            </a:r>
+            <a:endParaRPr lang="en-US" dirty="0"/>
           </a:p>
         </p:txBody>
       </p:sp>
@@ -645,7 +646,7 @@
     </p:spTree>
     <p:extLst>
       <p:ext uri="{BB962C8B-B14F-4D97-AF65-F5344CB8AC3E}">
-        <p14:creationId xmlns:p14="http://schemas.microsoft.com/office/powerpoint/2010/main" val="2748266899"/>
+        <p14:creationId xmlns:p14="http://schemas.microsoft.com/office/powerpoint/2010/main" val="1098938051"/>
       </p:ext>
     </p:extLst>
   </p:cSld>
@@ -657,7 +658,7 @@
 
 <file path=ppt/slideLayouts/slideLayout2.xml><?xml version="1.0" encoding="utf-8"?>
 <p:sldLayout xmlns:a="http://schemas.openxmlformats.org/drawingml/2006/main" xmlns:r="http://schemas.openxmlformats.org/officeDocument/2006/relationships" xmlns:p="http://schemas.openxmlformats.org/presentationml/2006/main" type="obj" preserve="1">
-  <p:cSld name="Title and Content">
+  <p:cSld name="标题和内容">
     <p:spTree>
       <p:nvGrpSpPr>
         <p:cNvPr id="1" name=""/>
@@ -688,10 +689,10 @@
           <a:lstStyle/>
           <a:p>
             <a:r>
-              <a:rPr lang="en-US" smtClean="0"/>
-              <a:t>Click to edit Master title style</a:t>
-            </a:r>
-            <a:endParaRPr lang="en-US"/>
+              <a:rPr lang="zh-CN" altLang="en-US"/>
+              <a:t>单击此处编辑母版标题样式</a:t>
+            </a:r>
+            <a:endParaRPr lang="en-US" dirty="0"/>
           </a:p>
         </p:txBody>
       </p:sp>
@@ -712,38 +713,38 @@
           <a:p>
             <a:pPr lvl="0"/>
             <a:r>
-              <a:rPr lang="en-US" smtClean="0"/>
-              <a:t>Edit Master text styles</a:t>
+              <a:rPr lang="zh-CN" altLang="en-US"/>
+              <a:t>编辑母版文本样式</a:t>
             </a:r>
           </a:p>
           <a:p>
             <a:pPr lvl="1"/>
             <a:r>
-              <a:rPr lang="en-US" smtClean="0"/>
-              <a:t>Second level</a:t>
+              <a:rPr lang="zh-CN" altLang="en-US"/>
+              <a:t>第二级</a:t>
             </a:r>
           </a:p>
           <a:p>
             <a:pPr lvl="2"/>
             <a:r>
-              <a:rPr lang="en-US" smtClean="0"/>
-              <a:t>Third level</a:t>
+              <a:rPr lang="zh-CN" altLang="en-US"/>
+              <a:t>第三级</a:t>
             </a:r>
           </a:p>
           <a:p>
             <a:pPr lvl="3"/>
             <a:r>
-              <a:rPr lang="en-US" smtClean="0"/>
-              <a:t>Fourth level</a:t>
+              <a:rPr lang="zh-CN" altLang="en-US"/>
+              <a:t>第四级</a:t>
             </a:r>
           </a:p>
           <a:p>
             <a:pPr lvl="4"/>
             <a:r>
-              <a:rPr lang="en-US" smtClean="0"/>
-              <a:t>Fifth level</a:t>
-            </a:r>
-            <a:endParaRPr lang="en-US"/>
+              <a:rPr lang="zh-CN" altLang="en-US"/>
+              <a:t>第五级</a:t>
+            </a:r>
+            <a:endParaRPr lang="en-US" dirty="0"/>
           </a:p>
         </p:txBody>
       </p:sp>
@@ -815,7 +816,7 @@
     </p:spTree>
     <p:extLst>
       <p:ext uri="{BB962C8B-B14F-4D97-AF65-F5344CB8AC3E}">
-        <p14:creationId xmlns:p14="http://schemas.microsoft.com/office/powerpoint/2010/main" val="3331940201"/>
+        <p14:creationId xmlns:p14="http://schemas.microsoft.com/office/powerpoint/2010/main" val="4144863473"/>
       </p:ext>
     </p:extLst>
   </p:cSld>
@@ -827,7 +828,7 @@
 
 <file path=ppt/slideLayouts/slideLayout3.xml><?xml version="1.0" encoding="utf-8"?>
 <p:sldLayout xmlns:a="http://schemas.openxmlformats.org/drawingml/2006/main" xmlns:r="http://schemas.openxmlformats.org/officeDocument/2006/relationships" xmlns:p="http://schemas.openxmlformats.org/presentationml/2006/main" type="secHead" preserve="1">
-  <p:cSld name="Section Header">
+  <p:cSld name="节标题">
     <p:spTree>
       <p:nvGrpSpPr>
         <p:cNvPr id="1" name=""/>
@@ -854,8 +855,8 @@
         </p:nvSpPr>
         <p:spPr>
           <a:xfrm>
-            <a:off x="831850" y="1709738"/>
-            <a:ext cx="10515600" cy="2852737"/>
+            <a:off x="623888" y="1709739"/>
+            <a:ext cx="7886700" cy="2852737"/>
           </a:xfrm>
         </p:spPr>
         <p:txBody>
@@ -867,10 +868,10 @@
           </a:lstStyle>
           <a:p>
             <a:r>
-              <a:rPr lang="en-US" smtClean="0"/>
-              <a:t>Click to edit Master title style</a:t>
-            </a:r>
-            <a:endParaRPr lang="en-US"/>
+              <a:rPr lang="zh-CN" altLang="en-US"/>
+              <a:t>单击此处编辑母版标题样式</a:t>
+            </a:r>
+            <a:endParaRPr lang="en-US" dirty="0"/>
           </a:p>
         </p:txBody>
       </p:sp>
@@ -886,8 +887,8 @@
         </p:nvSpPr>
         <p:spPr>
           <a:xfrm>
-            <a:off x="831850" y="4589463"/>
-            <a:ext cx="10515600" cy="1500187"/>
+            <a:off x="623888" y="4589464"/>
+            <a:ext cx="7886700" cy="1500187"/>
           </a:xfrm>
         </p:spPr>
         <p:txBody>
@@ -897,9 +898,7 @@
               <a:buNone/>
               <a:defRPr sz="2400">
                 <a:solidFill>
-                  <a:schemeClr val="tx1">
-                    <a:tint val="75000"/>
-                  </a:schemeClr>
+                  <a:schemeClr val="tx1"/>
                 </a:solidFill>
               </a:defRPr>
             </a:lvl1pPr>
@@ -987,8 +986,8 @@
           <a:p>
             <a:pPr lvl="0"/>
             <a:r>
-              <a:rPr lang="en-US" smtClean="0"/>
-              <a:t>Edit Master text styles</a:t>
+              <a:rPr lang="zh-CN" altLang="en-US"/>
+              <a:t>编辑母版文本样式</a:t>
             </a:r>
           </a:p>
         </p:txBody>
@@ -1061,7 +1060,7 @@
     </p:spTree>
     <p:extLst>
       <p:ext uri="{BB962C8B-B14F-4D97-AF65-F5344CB8AC3E}">
-        <p14:creationId xmlns:p14="http://schemas.microsoft.com/office/powerpoint/2010/main" val="3461307420"/>
+        <p14:creationId xmlns:p14="http://schemas.microsoft.com/office/powerpoint/2010/main" val="3782111169"/>
       </p:ext>
     </p:extLst>
   </p:cSld>
@@ -1073,7 +1072,7 @@
 
 <file path=ppt/slideLayouts/slideLayout4.xml><?xml version="1.0" encoding="utf-8"?>
 <p:sldLayout xmlns:a="http://schemas.openxmlformats.org/drawingml/2006/main" xmlns:r="http://schemas.openxmlformats.org/officeDocument/2006/relationships" xmlns:p="http://schemas.openxmlformats.org/presentationml/2006/main" type="twoObj" preserve="1">
-  <p:cSld name="Two Content">
+  <p:cSld name="两栏内容">
     <p:spTree>
       <p:nvGrpSpPr>
         <p:cNvPr id="1" name=""/>
@@ -1104,10 +1103,10 @@
           <a:lstStyle/>
           <a:p>
             <a:r>
-              <a:rPr lang="en-US" smtClean="0"/>
-              <a:t>Click to edit Master title style</a:t>
-            </a:r>
-            <a:endParaRPr lang="en-US"/>
+              <a:rPr lang="zh-CN" altLang="en-US"/>
+              <a:t>单击此处编辑母版标题样式</a:t>
+            </a:r>
+            <a:endParaRPr lang="en-US" dirty="0"/>
           </a:p>
         </p:txBody>
       </p:sp>
@@ -1123,8 +1122,8 @@
         </p:nvSpPr>
         <p:spPr>
           <a:xfrm>
-            <a:off x="838200" y="1825625"/>
-            <a:ext cx="5181600" cy="4351338"/>
+            <a:off x="628650" y="1825625"/>
+            <a:ext cx="3886200" cy="4351338"/>
           </a:xfrm>
         </p:spPr>
         <p:txBody>
@@ -1133,38 +1132,38 @@
           <a:p>
             <a:pPr lvl="0"/>
             <a:r>
-              <a:rPr lang="en-US" smtClean="0"/>
-              <a:t>Edit Master text styles</a:t>
+              <a:rPr lang="zh-CN" altLang="en-US"/>
+              <a:t>编辑母版文本样式</a:t>
             </a:r>
           </a:p>
           <a:p>
             <a:pPr lvl="1"/>
             <a:r>
-              <a:rPr lang="en-US" smtClean="0"/>
-              <a:t>Second level</a:t>
+              <a:rPr lang="zh-CN" altLang="en-US"/>
+              <a:t>第二级</a:t>
             </a:r>
           </a:p>
           <a:p>
             <a:pPr lvl="2"/>
             <a:r>
-              <a:rPr lang="en-US" smtClean="0"/>
-              <a:t>Third level</a:t>
+              <a:rPr lang="zh-CN" altLang="en-US"/>
+              <a:t>第三级</a:t>
             </a:r>
           </a:p>
           <a:p>
             <a:pPr lvl="3"/>
             <a:r>
-              <a:rPr lang="en-US" smtClean="0"/>
-              <a:t>Fourth level</a:t>
+              <a:rPr lang="zh-CN" altLang="en-US"/>
+              <a:t>第四级</a:t>
             </a:r>
           </a:p>
           <a:p>
             <a:pPr lvl="4"/>
             <a:r>
-              <a:rPr lang="en-US" smtClean="0"/>
-              <a:t>Fifth level</a:t>
-            </a:r>
-            <a:endParaRPr lang="en-US"/>
+              <a:rPr lang="zh-CN" altLang="en-US"/>
+              <a:t>第五级</a:t>
+            </a:r>
+            <a:endParaRPr lang="en-US" dirty="0"/>
           </a:p>
         </p:txBody>
       </p:sp>
@@ -1180,8 +1179,8 @@
         </p:nvSpPr>
         <p:spPr>
           <a:xfrm>
-            <a:off x="6172200" y="1825625"/>
-            <a:ext cx="5181600" cy="4351338"/>
+            <a:off x="4629150" y="1825625"/>
+            <a:ext cx="3886200" cy="4351338"/>
           </a:xfrm>
         </p:spPr>
         <p:txBody>
@@ -1190,38 +1189,38 @@
           <a:p>
             <a:pPr lvl="0"/>
             <a:r>
-              <a:rPr lang="en-US" smtClean="0"/>
-              <a:t>Edit Master text styles</a:t>
+              <a:rPr lang="zh-CN" altLang="en-US"/>
+              <a:t>编辑母版文本样式</a:t>
             </a:r>
           </a:p>
           <a:p>
             <a:pPr lvl="1"/>
             <a:r>
-              <a:rPr lang="en-US" smtClean="0"/>
-              <a:t>Second level</a:t>
+              <a:rPr lang="zh-CN" altLang="en-US"/>
+              <a:t>第二级</a:t>
             </a:r>
           </a:p>
           <a:p>
             <a:pPr lvl="2"/>
             <a:r>
-              <a:rPr lang="en-US" smtClean="0"/>
-              <a:t>Third level</a:t>
+              <a:rPr lang="zh-CN" altLang="en-US"/>
+              <a:t>第三级</a:t>
             </a:r>
           </a:p>
           <a:p>
             <a:pPr lvl="3"/>
             <a:r>
-              <a:rPr lang="en-US" smtClean="0"/>
-              <a:t>Fourth level</a:t>
+              <a:rPr lang="zh-CN" altLang="en-US"/>
+              <a:t>第四级</a:t>
             </a:r>
           </a:p>
           <a:p>
             <a:pPr lvl="4"/>
             <a:r>
-              <a:rPr lang="en-US" smtClean="0"/>
-              <a:t>Fifth level</a:t>
-            </a:r>
-            <a:endParaRPr lang="en-US"/>
+              <a:rPr lang="zh-CN" altLang="en-US"/>
+              <a:t>第五级</a:t>
+            </a:r>
+            <a:endParaRPr lang="en-US" dirty="0"/>
           </a:p>
         </p:txBody>
       </p:sp>
@@ -1293,7 +1292,7 @@
     </p:spTree>
     <p:extLst>
       <p:ext uri="{BB962C8B-B14F-4D97-AF65-F5344CB8AC3E}">
-        <p14:creationId xmlns:p14="http://schemas.microsoft.com/office/powerpoint/2010/main" val="1334079173"/>
+        <p14:creationId xmlns:p14="http://schemas.microsoft.com/office/powerpoint/2010/main" val="4118491541"/>
       </p:ext>
     </p:extLst>
   </p:cSld>
@@ -1305,7 +1304,7 @@
 
 <file path=ppt/slideLayouts/slideLayout5.xml><?xml version="1.0" encoding="utf-8"?>
 <p:sldLayout xmlns:a="http://schemas.openxmlformats.org/drawingml/2006/main" xmlns:r="http://schemas.openxmlformats.org/officeDocument/2006/relationships" xmlns:p="http://schemas.openxmlformats.org/presentationml/2006/main" type="twoTxTwoObj" preserve="1">
-  <p:cSld name="Comparison">
+  <p:cSld name="比较">
     <p:spTree>
       <p:nvGrpSpPr>
         <p:cNvPr id="1" name=""/>
@@ -1332,8 +1331,8 @@
         </p:nvSpPr>
         <p:spPr>
           <a:xfrm>
-            <a:off x="839788" y="365125"/>
-            <a:ext cx="10515600" cy="1325563"/>
+            <a:off x="629841" y="365126"/>
+            <a:ext cx="7886700" cy="1325563"/>
           </a:xfrm>
         </p:spPr>
         <p:txBody>
@@ -1341,10 +1340,10 @@
           <a:lstStyle/>
           <a:p>
             <a:r>
-              <a:rPr lang="en-US" smtClean="0"/>
-              <a:t>Click to edit Master title style</a:t>
-            </a:r>
-            <a:endParaRPr lang="en-US"/>
+              <a:rPr lang="zh-CN" altLang="en-US"/>
+              <a:t>单击此处编辑母版标题样式</a:t>
+            </a:r>
+            <a:endParaRPr lang="en-US" dirty="0"/>
           </a:p>
         </p:txBody>
       </p:sp>
@@ -1360,8 +1359,8 @@
         </p:nvSpPr>
         <p:spPr>
           <a:xfrm>
-            <a:off x="839788" y="1681163"/>
-            <a:ext cx="5157787" cy="823912"/>
+            <a:off x="629842" y="1681163"/>
+            <a:ext cx="3868340" cy="823912"/>
           </a:xfrm>
         </p:spPr>
         <p:txBody>
@@ -1407,8 +1406,8 @@
           <a:p>
             <a:pPr lvl="0"/>
             <a:r>
-              <a:rPr lang="en-US" smtClean="0"/>
-              <a:t>Edit Master text styles</a:t>
+              <a:rPr lang="zh-CN" altLang="en-US"/>
+              <a:t>编辑母版文本样式</a:t>
             </a:r>
           </a:p>
         </p:txBody>
@@ -1425,8 +1424,8 @@
         </p:nvSpPr>
         <p:spPr>
           <a:xfrm>
-            <a:off x="839788" y="2505075"/>
-            <a:ext cx="5157787" cy="3684588"/>
+            <a:off x="629842" y="2505075"/>
+            <a:ext cx="3868340" cy="3684588"/>
           </a:xfrm>
         </p:spPr>
         <p:txBody>
@@ -1435,38 +1434,38 @@
           <a:p>
             <a:pPr lvl="0"/>
             <a:r>
-              <a:rPr lang="en-US" smtClean="0"/>
-              <a:t>Edit Master text styles</a:t>
+              <a:rPr lang="zh-CN" altLang="en-US"/>
+              <a:t>编辑母版文本样式</a:t>
             </a:r>
           </a:p>
           <a:p>
             <a:pPr lvl="1"/>
             <a:r>
-              <a:rPr lang="en-US" smtClean="0"/>
-              <a:t>Second level</a:t>
+              <a:rPr lang="zh-CN" altLang="en-US"/>
+              <a:t>第二级</a:t>
             </a:r>
           </a:p>
           <a:p>
             <a:pPr lvl="2"/>
             <a:r>
-              <a:rPr lang="en-US" smtClean="0"/>
-              <a:t>Third level</a:t>
+              <a:rPr lang="zh-CN" altLang="en-US"/>
+              <a:t>第三级</a:t>
             </a:r>
           </a:p>
           <a:p>
             <a:pPr lvl="3"/>
             <a:r>
-              <a:rPr lang="en-US" smtClean="0"/>
-              <a:t>Fourth level</a:t>
+              <a:rPr lang="zh-CN" altLang="en-US"/>
+              <a:t>第四级</a:t>
             </a:r>
           </a:p>
           <a:p>
             <a:pPr lvl="4"/>
             <a:r>
-              <a:rPr lang="en-US" smtClean="0"/>
-              <a:t>Fifth level</a:t>
-            </a:r>
-            <a:endParaRPr lang="en-US"/>
+              <a:rPr lang="zh-CN" altLang="en-US"/>
+              <a:t>第五级</a:t>
+            </a:r>
+            <a:endParaRPr lang="en-US" dirty="0"/>
           </a:p>
         </p:txBody>
       </p:sp>
@@ -1482,8 +1481,8 @@
         </p:nvSpPr>
         <p:spPr>
           <a:xfrm>
-            <a:off x="6172200" y="1681163"/>
-            <a:ext cx="5183188" cy="823912"/>
+            <a:off x="4629150" y="1681163"/>
+            <a:ext cx="3887391" cy="823912"/>
           </a:xfrm>
         </p:spPr>
         <p:txBody>
@@ -1529,8 +1528,8 @@
           <a:p>
             <a:pPr lvl="0"/>
             <a:r>
-              <a:rPr lang="en-US" smtClean="0"/>
-              <a:t>Edit Master text styles</a:t>
+              <a:rPr lang="zh-CN" altLang="en-US"/>
+              <a:t>编辑母版文本样式</a:t>
             </a:r>
           </a:p>
         </p:txBody>
@@ -1547,8 +1546,8 @@
         </p:nvSpPr>
         <p:spPr>
           <a:xfrm>
-            <a:off x="6172200" y="2505075"/>
-            <a:ext cx="5183188" cy="3684588"/>
+            <a:off x="4629150" y="2505075"/>
+            <a:ext cx="3887391" cy="3684588"/>
           </a:xfrm>
         </p:spPr>
         <p:txBody>
@@ -1557,38 +1556,38 @@
           <a:p>
             <a:pPr lvl="0"/>
             <a:r>
-              <a:rPr lang="en-US" smtClean="0"/>
-              <a:t>Edit Master text styles</a:t>
+              <a:rPr lang="zh-CN" altLang="en-US"/>
+              <a:t>编辑母版文本样式</a:t>
             </a:r>
           </a:p>
           <a:p>
             <a:pPr lvl="1"/>
             <a:r>
-              <a:rPr lang="en-US" smtClean="0"/>
-              <a:t>Second level</a:t>
+              <a:rPr lang="zh-CN" altLang="en-US"/>
+              <a:t>第二级</a:t>
             </a:r>
           </a:p>
           <a:p>
             <a:pPr lvl="2"/>
             <a:r>
-              <a:rPr lang="en-US" smtClean="0"/>
-              <a:t>Third level</a:t>
+              <a:rPr lang="zh-CN" altLang="en-US"/>
+              <a:t>第三级</a:t>
             </a:r>
           </a:p>
           <a:p>
             <a:pPr lvl="3"/>
             <a:r>
-              <a:rPr lang="en-US" smtClean="0"/>
-              <a:t>Fourth level</a:t>
+              <a:rPr lang="zh-CN" altLang="en-US"/>
+              <a:t>第四级</a:t>
             </a:r>
           </a:p>
           <a:p>
             <a:pPr lvl="4"/>
             <a:r>
-              <a:rPr lang="en-US" smtClean="0"/>
-              <a:t>Fifth level</a:t>
-            </a:r>
-            <a:endParaRPr lang="en-US"/>
+              <a:rPr lang="zh-CN" altLang="en-US"/>
+              <a:t>第五级</a:t>
+            </a:r>
+            <a:endParaRPr lang="en-US" dirty="0"/>
           </a:p>
         </p:txBody>
       </p:sp>
@@ -1660,7 +1659,7 @@
     </p:spTree>
     <p:extLst>
       <p:ext uri="{BB962C8B-B14F-4D97-AF65-F5344CB8AC3E}">
-        <p14:creationId xmlns:p14="http://schemas.microsoft.com/office/powerpoint/2010/main" val="2856608293"/>
+        <p14:creationId xmlns:p14="http://schemas.microsoft.com/office/powerpoint/2010/main" val="3756690619"/>
       </p:ext>
     </p:extLst>
   </p:cSld>
@@ -1672,7 +1671,7 @@
 
 <file path=ppt/slideLayouts/slideLayout6.xml><?xml version="1.0" encoding="utf-8"?>
 <p:sldLayout xmlns:a="http://schemas.openxmlformats.org/drawingml/2006/main" xmlns:r="http://schemas.openxmlformats.org/officeDocument/2006/relationships" xmlns:p="http://schemas.openxmlformats.org/presentationml/2006/main" type="titleOnly" preserve="1">
-  <p:cSld name="Title Only">
+  <p:cSld name="仅标题">
     <p:spTree>
       <p:nvGrpSpPr>
         <p:cNvPr id="1" name=""/>
@@ -1703,10 +1702,10 @@
           <a:lstStyle/>
           <a:p>
             <a:r>
-              <a:rPr lang="en-US" smtClean="0"/>
-              <a:t>Click to edit Master title style</a:t>
-            </a:r>
-            <a:endParaRPr lang="en-US"/>
+              <a:rPr lang="zh-CN" altLang="en-US"/>
+              <a:t>单击此处编辑母版标题样式</a:t>
+            </a:r>
+            <a:endParaRPr lang="en-US" dirty="0"/>
           </a:p>
         </p:txBody>
       </p:sp>
@@ -1778,7 +1777,7 @@
     </p:spTree>
     <p:extLst>
       <p:ext uri="{BB962C8B-B14F-4D97-AF65-F5344CB8AC3E}">
-        <p14:creationId xmlns:p14="http://schemas.microsoft.com/office/powerpoint/2010/main" val="994180417"/>
+        <p14:creationId xmlns:p14="http://schemas.microsoft.com/office/powerpoint/2010/main" val="1268375822"/>
       </p:ext>
     </p:extLst>
   </p:cSld>
@@ -1790,7 +1789,7 @@
 
 <file path=ppt/slideLayouts/slideLayout7.xml><?xml version="1.0" encoding="utf-8"?>
 <p:sldLayout xmlns:a="http://schemas.openxmlformats.org/drawingml/2006/main" xmlns:r="http://schemas.openxmlformats.org/officeDocument/2006/relationships" xmlns:p="http://schemas.openxmlformats.org/presentationml/2006/main" type="blank" preserve="1">
-  <p:cSld name="Blank">
+  <p:cSld name="空白">
     <p:spTree>
       <p:nvGrpSpPr>
         <p:cNvPr id="1" name=""/>
@@ -1873,7 +1872,7 @@
     </p:spTree>
     <p:extLst>
       <p:ext uri="{BB962C8B-B14F-4D97-AF65-F5344CB8AC3E}">
-        <p14:creationId xmlns:p14="http://schemas.microsoft.com/office/powerpoint/2010/main" val="2880138296"/>
+        <p14:creationId xmlns:p14="http://schemas.microsoft.com/office/powerpoint/2010/main" val="1526823551"/>
       </p:ext>
     </p:extLst>
   </p:cSld>
@@ -1885,7 +1884,7 @@
 
 <file path=ppt/slideLayouts/slideLayout8.xml><?xml version="1.0" encoding="utf-8"?>
 <p:sldLayout xmlns:a="http://schemas.openxmlformats.org/drawingml/2006/main" xmlns:r="http://schemas.openxmlformats.org/officeDocument/2006/relationships" xmlns:p="http://schemas.openxmlformats.org/presentationml/2006/main" type="objTx" preserve="1">
-  <p:cSld name="Content with Caption">
+  <p:cSld name="内容与标题">
     <p:spTree>
       <p:nvGrpSpPr>
         <p:cNvPr id="1" name=""/>
@@ -1912,8 +1911,8 @@
         </p:nvSpPr>
         <p:spPr>
           <a:xfrm>
-            <a:off x="839788" y="457200"/>
-            <a:ext cx="3932237" cy="1600200"/>
+            <a:off x="629841" y="457200"/>
+            <a:ext cx="2949178" cy="1600200"/>
           </a:xfrm>
         </p:spPr>
         <p:txBody>
@@ -1925,10 +1924,10 @@
           </a:lstStyle>
           <a:p>
             <a:r>
-              <a:rPr lang="en-US" smtClean="0"/>
-              <a:t>Click to edit Master title style</a:t>
-            </a:r>
-            <a:endParaRPr lang="en-US"/>
+              <a:rPr lang="zh-CN" altLang="en-US"/>
+              <a:t>单击此处编辑母版标题样式</a:t>
+            </a:r>
+            <a:endParaRPr lang="en-US" dirty="0"/>
           </a:p>
         </p:txBody>
       </p:sp>
@@ -1944,8 +1943,8 @@
         </p:nvSpPr>
         <p:spPr>
           <a:xfrm>
-            <a:off x="5183188" y="987425"/>
-            <a:ext cx="6172200" cy="4873625"/>
+            <a:off x="3887391" y="987426"/>
+            <a:ext cx="4629150" cy="4873625"/>
           </a:xfrm>
         </p:spPr>
         <p:txBody>
@@ -1982,38 +1981,38 @@
           <a:p>
             <a:pPr lvl="0"/>
             <a:r>
-              <a:rPr lang="en-US" smtClean="0"/>
-              <a:t>Edit Master text styles</a:t>
+              <a:rPr lang="zh-CN" altLang="en-US"/>
+              <a:t>编辑母版文本样式</a:t>
             </a:r>
           </a:p>
           <a:p>
             <a:pPr lvl="1"/>
             <a:r>
-              <a:rPr lang="en-US" smtClean="0"/>
-              <a:t>Second level</a:t>
+              <a:rPr lang="zh-CN" altLang="en-US"/>
+              <a:t>第二级</a:t>
             </a:r>
           </a:p>
           <a:p>
             <a:pPr lvl="2"/>
             <a:r>
-              <a:rPr lang="en-US" smtClean="0"/>
-              <a:t>Third level</a:t>
+              <a:rPr lang="zh-CN" altLang="en-US"/>
+              <a:t>第三级</a:t>
             </a:r>
           </a:p>
           <a:p>
             <a:pPr lvl="3"/>
             <a:r>
-              <a:rPr lang="en-US" smtClean="0"/>
-              <a:t>Fourth level</a:t>
+              <a:rPr lang="zh-CN" altLang="en-US"/>
+              <a:t>第四级</a:t>
             </a:r>
           </a:p>
           <a:p>
             <a:pPr lvl="4"/>
             <a:r>
-              <a:rPr lang="en-US" smtClean="0"/>
-              <a:t>Fifth level</a:t>
-            </a:r>
-            <a:endParaRPr lang="en-US"/>
+              <a:rPr lang="zh-CN" altLang="en-US"/>
+              <a:t>第五级</a:t>
+            </a:r>
+            <a:endParaRPr lang="en-US" dirty="0"/>
           </a:p>
         </p:txBody>
       </p:sp>
@@ -2029,8 +2028,8 @@
         </p:nvSpPr>
         <p:spPr>
           <a:xfrm>
-            <a:off x="839788" y="2057400"/>
-            <a:ext cx="3932237" cy="3811588"/>
+            <a:off x="629841" y="2057400"/>
+            <a:ext cx="2949178" cy="3811588"/>
           </a:xfrm>
         </p:spPr>
         <p:txBody>
@@ -2076,8 +2075,8 @@
           <a:p>
             <a:pPr lvl="0"/>
             <a:r>
-              <a:rPr lang="en-US" smtClean="0"/>
-              <a:t>Edit Master text styles</a:t>
+              <a:rPr lang="zh-CN" altLang="en-US"/>
+              <a:t>编辑母版文本样式</a:t>
             </a:r>
           </a:p>
         </p:txBody>
@@ -2150,7 +2149,7 @@
     </p:spTree>
     <p:extLst>
       <p:ext uri="{BB962C8B-B14F-4D97-AF65-F5344CB8AC3E}">
-        <p14:creationId xmlns:p14="http://schemas.microsoft.com/office/powerpoint/2010/main" val="2068538078"/>
+        <p14:creationId xmlns:p14="http://schemas.microsoft.com/office/powerpoint/2010/main" val="2440565492"/>
       </p:ext>
     </p:extLst>
   </p:cSld>
@@ -2162,7 +2161,7 @@
 
 <file path=ppt/slideLayouts/slideLayout9.xml><?xml version="1.0" encoding="utf-8"?>
 <p:sldLayout xmlns:a="http://schemas.openxmlformats.org/drawingml/2006/main" xmlns:r="http://schemas.openxmlformats.org/officeDocument/2006/relationships" xmlns:p="http://schemas.openxmlformats.org/presentationml/2006/main" type="picTx" preserve="1">
-  <p:cSld name="Picture with Caption">
+  <p:cSld name="图片与标题">
     <p:spTree>
       <p:nvGrpSpPr>
         <p:cNvPr id="1" name=""/>
@@ -2189,8 +2188,8 @@
         </p:nvSpPr>
         <p:spPr>
           <a:xfrm>
-            <a:off x="839788" y="457200"/>
-            <a:ext cx="3932237" cy="1600200"/>
+            <a:off x="629841" y="457200"/>
+            <a:ext cx="2949178" cy="1600200"/>
           </a:xfrm>
         </p:spPr>
         <p:txBody>
@@ -2202,10 +2201,10 @@
           </a:lstStyle>
           <a:p>
             <a:r>
-              <a:rPr lang="en-US" smtClean="0"/>
-              <a:t>Click to edit Master title style</a:t>
-            </a:r>
-            <a:endParaRPr lang="en-US"/>
+              <a:rPr lang="zh-CN" altLang="en-US"/>
+              <a:t>单击此处编辑母版标题样式</a:t>
+            </a:r>
+            <a:endParaRPr lang="en-US" dirty="0"/>
           </a:p>
         </p:txBody>
       </p:sp>
@@ -2213,7 +2212,7 @@
         <p:nvSpPr>
           <p:cNvPr id="3" name="Picture Placeholder 2"/>
           <p:cNvSpPr>
-            <a:spLocks noGrp="1"/>
+            <a:spLocks noGrp="1" noChangeAspect="1"/>
           </p:cNvSpPr>
           <p:nvPr>
             <p:ph type="pic" idx="1"/>
@@ -2221,8 +2220,73 @@
         </p:nvSpPr>
         <p:spPr>
           <a:xfrm>
-            <a:off x="5183188" y="987425"/>
-            <a:ext cx="6172200" cy="4873625"/>
+            <a:off x="3887391" y="987426"/>
+            <a:ext cx="4629150" cy="4873625"/>
+          </a:xfrm>
+        </p:spPr>
+        <p:txBody>
+          <a:bodyPr anchor="t"/>
+          <a:lstStyle>
+            <a:lvl1pPr marL="0" indent="0">
+              <a:buNone/>
+              <a:defRPr sz="3200"/>
+            </a:lvl1pPr>
+            <a:lvl2pPr marL="457200" indent="0">
+              <a:buNone/>
+              <a:defRPr sz="2800"/>
+            </a:lvl2pPr>
+            <a:lvl3pPr marL="914400" indent="0">
+              <a:buNone/>
+              <a:defRPr sz="2400"/>
+            </a:lvl3pPr>
+            <a:lvl4pPr marL="1371600" indent="0">
+              <a:buNone/>
+              <a:defRPr sz="2000"/>
+            </a:lvl4pPr>
+            <a:lvl5pPr marL="1828800" indent="0">
+              <a:buNone/>
+              <a:defRPr sz="2000"/>
+            </a:lvl5pPr>
+            <a:lvl6pPr marL="2286000" indent="0">
+              <a:buNone/>
+              <a:defRPr sz="2000"/>
+            </a:lvl6pPr>
+            <a:lvl7pPr marL="2743200" indent="0">
+              <a:buNone/>
+              <a:defRPr sz="2000"/>
+            </a:lvl7pPr>
+            <a:lvl8pPr marL="3200400" indent="0">
+              <a:buNone/>
+              <a:defRPr sz="2000"/>
+            </a:lvl8pPr>
+            <a:lvl9pPr marL="3657600" indent="0">
+              <a:buNone/>
+              <a:defRPr sz="2000"/>
+            </a:lvl9pPr>
+          </a:lstStyle>
+          <a:p>
+            <a:r>
+              <a:rPr lang="zh-CN" altLang="en-US"/>
+              <a:t>单击图标添加图片</a:t>
+            </a:r>
+            <a:endParaRPr lang="en-US" dirty="0"/>
+          </a:p>
+        </p:txBody>
+      </p:sp>
+      <p:sp>
+        <p:nvSpPr>
+          <p:cNvPr id="4" name="Text Placeholder 3"/>
+          <p:cNvSpPr>
+            <a:spLocks noGrp="1"/>
+          </p:cNvSpPr>
+          <p:nvPr>
+            <p:ph type="body" sz="half" idx="2"/>
+          </p:nvPr>
+        </p:nvSpPr>
+        <p:spPr>
+          <a:xfrm>
+            <a:off x="629841" y="2057400"/>
+            <a:ext cx="2949178" cy="3811588"/>
           </a:xfrm>
         </p:spPr>
         <p:txBody>
@@ -2230,67 +2294,6 @@
           <a:lstStyle>
             <a:lvl1pPr marL="0" indent="0">
               <a:buNone/>
-              <a:defRPr sz="3200"/>
-            </a:lvl1pPr>
-            <a:lvl2pPr marL="457200" indent="0">
-              <a:buNone/>
-              <a:defRPr sz="2800"/>
-            </a:lvl2pPr>
-            <a:lvl3pPr marL="914400" indent="0">
-              <a:buNone/>
-              <a:defRPr sz="2400"/>
-            </a:lvl3pPr>
-            <a:lvl4pPr marL="1371600" indent="0">
-              <a:buNone/>
-              <a:defRPr sz="2000"/>
-            </a:lvl4pPr>
-            <a:lvl5pPr marL="1828800" indent="0">
-              <a:buNone/>
-              <a:defRPr sz="2000"/>
-            </a:lvl5pPr>
-            <a:lvl6pPr marL="2286000" indent="0">
-              <a:buNone/>
-              <a:defRPr sz="2000"/>
-            </a:lvl6pPr>
-            <a:lvl7pPr marL="2743200" indent="0">
-              <a:buNone/>
-              <a:defRPr sz="2000"/>
-            </a:lvl7pPr>
-            <a:lvl8pPr marL="3200400" indent="0">
-              <a:buNone/>
-              <a:defRPr sz="2000"/>
-            </a:lvl8pPr>
-            <a:lvl9pPr marL="3657600" indent="0">
-              <a:buNone/>
-              <a:defRPr sz="2000"/>
-            </a:lvl9pPr>
-          </a:lstStyle>
-          <a:p>
-            <a:endParaRPr lang="en-US"/>
-          </a:p>
-        </p:txBody>
-      </p:sp>
-      <p:sp>
-        <p:nvSpPr>
-          <p:cNvPr id="4" name="Text Placeholder 3"/>
-          <p:cNvSpPr>
-            <a:spLocks noGrp="1"/>
-          </p:cNvSpPr>
-          <p:nvPr>
-            <p:ph type="body" sz="half" idx="2"/>
-          </p:nvPr>
-        </p:nvSpPr>
-        <p:spPr>
-          <a:xfrm>
-            <a:off x="839788" y="2057400"/>
-            <a:ext cx="3932237" cy="3811588"/>
-          </a:xfrm>
-        </p:spPr>
-        <p:txBody>
-          <a:bodyPr/>
-          <a:lstStyle>
-            <a:lvl1pPr marL="0" indent="0">
-              <a:buNone/>
               <a:defRPr sz="1600"/>
             </a:lvl1pPr>
             <a:lvl2pPr marL="457200" indent="0">
@@ -2329,8 +2332,8 @@
           <a:p>
             <a:pPr lvl="0"/>
             <a:r>
-              <a:rPr lang="en-US" smtClean="0"/>
-              <a:t>Edit Master text styles</a:t>
+              <a:rPr lang="zh-CN" altLang="en-US"/>
+              <a:t>编辑母版文本样式</a:t>
             </a:r>
           </a:p>
         </p:txBody>
@@ -2403,7 +2406,7 @@
     </p:spTree>
     <p:extLst>
       <p:ext uri="{BB962C8B-B14F-4D97-AF65-F5344CB8AC3E}">
-        <p14:creationId xmlns:p14="http://schemas.microsoft.com/office/powerpoint/2010/main" val="1129156837"/>
+        <p14:creationId xmlns:p14="http://schemas.microsoft.com/office/powerpoint/2010/main" val="3712886583"/>
       </p:ext>
     </p:extLst>
   </p:cSld>
@@ -2447,8 +2450,8 @@
         </p:nvSpPr>
         <p:spPr>
           <a:xfrm>
-            <a:off x="838200" y="365125"/>
-            <a:ext cx="10515600" cy="1325563"/>
+            <a:off x="628650" y="365126"/>
+            <a:ext cx="7886700" cy="1325563"/>
           </a:xfrm>
           <a:prstGeom prst="rect">
             <a:avLst/>
@@ -2461,10 +2464,10 @@
           <a:lstStyle/>
           <a:p>
             <a:r>
-              <a:rPr lang="en-US" smtClean="0"/>
-              <a:t>Click to edit Master title style</a:t>
-            </a:r>
-            <a:endParaRPr lang="en-US"/>
+              <a:rPr lang="zh-CN" altLang="en-US"/>
+              <a:t>单击此处编辑母版标题样式</a:t>
+            </a:r>
+            <a:endParaRPr lang="en-US" dirty="0"/>
           </a:p>
         </p:txBody>
       </p:sp>
@@ -2480,8 +2483,8 @@
         </p:nvSpPr>
         <p:spPr>
           <a:xfrm>
-            <a:off x="838200" y="1825625"/>
-            <a:ext cx="10515600" cy="4351338"/>
+            <a:off x="628650" y="1825625"/>
+            <a:ext cx="7886700" cy="4351338"/>
           </a:xfrm>
           <a:prstGeom prst="rect">
             <a:avLst/>
@@ -2495,38 +2498,38 @@
           <a:p>
             <a:pPr lvl="0"/>
             <a:r>
-              <a:rPr lang="en-US" smtClean="0"/>
-              <a:t>Edit Master text styles</a:t>
+              <a:rPr lang="zh-CN" altLang="en-US"/>
+              <a:t>编辑母版文本样式</a:t>
             </a:r>
           </a:p>
           <a:p>
             <a:pPr lvl="1"/>
             <a:r>
-              <a:rPr lang="en-US" smtClean="0"/>
-              <a:t>Second level</a:t>
+              <a:rPr lang="zh-CN" altLang="en-US"/>
+              <a:t>第二级</a:t>
             </a:r>
           </a:p>
           <a:p>
             <a:pPr lvl="2"/>
             <a:r>
-              <a:rPr lang="en-US" smtClean="0"/>
-              <a:t>Third level</a:t>
+              <a:rPr lang="zh-CN" altLang="en-US"/>
+              <a:t>第三级</a:t>
             </a:r>
           </a:p>
           <a:p>
             <a:pPr lvl="3"/>
             <a:r>
-              <a:rPr lang="en-US" smtClean="0"/>
-              <a:t>Fourth level</a:t>
+              <a:rPr lang="zh-CN" altLang="en-US"/>
+              <a:t>第四级</a:t>
             </a:r>
           </a:p>
           <a:p>
             <a:pPr lvl="4"/>
             <a:r>
-              <a:rPr lang="en-US" smtClean="0"/>
-              <a:t>Fifth level</a:t>
-            </a:r>
-            <a:endParaRPr lang="en-US"/>
+              <a:rPr lang="zh-CN" altLang="en-US"/>
+              <a:t>第五级</a:t>
+            </a:r>
+            <a:endParaRPr lang="en-US" dirty="0"/>
           </a:p>
         </p:txBody>
       </p:sp>
@@ -2542,8 +2545,8 @@
         </p:nvSpPr>
         <p:spPr>
           <a:xfrm>
-            <a:off x="838200" y="6356350"/>
-            <a:ext cx="2743200" cy="365125"/>
+            <a:off x="628650" y="6356351"/>
+            <a:ext cx="2057400" cy="365125"/>
           </a:xfrm>
           <a:prstGeom prst="rect">
             <a:avLst/>
@@ -2583,8 +2586,8 @@
         </p:nvSpPr>
         <p:spPr>
           <a:xfrm>
-            <a:off x="4038600" y="6356350"/>
-            <a:ext cx="4114800" cy="365125"/>
+            <a:off x="3028950" y="6356351"/>
+            <a:ext cx="3086100" cy="365125"/>
           </a:xfrm>
           <a:prstGeom prst="rect">
             <a:avLst/>
@@ -2620,8 +2623,8 @@
         </p:nvSpPr>
         <p:spPr>
           <a:xfrm>
-            <a:off x="8610600" y="6356350"/>
-            <a:ext cx="2743200" cy="365125"/>
+            <a:off x="6457950" y="6356351"/>
+            <a:ext cx="2057400" cy="365125"/>
           </a:xfrm>
           <a:prstGeom prst="rect">
             <a:avLst/>
@@ -2652,23 +2655,23 @@
     </p:spTree>
     <p:extLst>
       <p:ext uri="{BB962C8B-B14F-4D97-AF65-F5344CB8AC3E}">
-        <p14:creationId xmlns:p14="http://schemas.microsoft.com/office/powerpoint/2010/main" val="2036065927"/>
+        <p14:creationId xmlns:p14="http://schemas.microsoft.com/office/powerpoint/2010/main" val="1269871862"/>
       </p:ext>
     </p:extLst>
   </p:cSld>
   <p:clrMap bg1="lt1" tx1="dk1" bg2="lt2" tx2="dk2" accent1="accent1" accent2="accent2" accent3="accent3" accent4="accent4" accent5="accent5" accent6="accent6" hlink="hlink" folHlink="folHlink"/>
   <p:sldLayoutIdLst>
-    <p:sldLayoutId id="2147483649" r:id="rId1"/>
-    <p:sldLayoutId id="2147483650" r:id="rId2"/>
-    <p:sldLayoutId id="2147483651" r:id="rId3"/>
-    <p:sldLayoutId id="2147483652" r:id="rId4"/>
-    <p:sldLayoutId id="2147483653" r:id="rId5"/>
-    <p:sldLayoutId id="2147483654" r:id="rId6"/>
-    <p:sldLayoutId id="2147483655" r:id="rId7"/>
-    <p:sldLayoutId id="2147483656" r:id="rId8"/>
-    <p:sldLayoutId id="2147483657" r:id="rId9"/>
-    <p:sldLayoutId id="2147483658" r:id="rId10"/>
-    <p:sldLayoutId id="2147483659" r:id="rId11"/>
+    <p:sldLayoutId id="2147483661" r:id="rId1"/>
+    <p:sldLayoutId id="2147483662" r:id="rId2"/>
+    <p:sldLayoutId id="2147483663" r:id="rId3"/>
+    <p:sldLayoutId id="2147483664" r:id="rId4"/>
+    <p:sldLayoutId id="2147483665" r:id="rId5"/>
+    <p:sldLayoutId id="2147483666" r:id="rId6"/>
+    <p:sldLayoutId id="2147483667" r:id="rId7"/>
+    <p:sldLayoutId id="2147483668" r:id="rId8"/>
+    <p:sldLayoutId id="2147483669" r:id="rId9"/>
+    <p:sldLayoutId id="2147483670" r:id="rId10"/>
+    <p:sldLayoutId id="2147483671" r:id="rId11"/>
   </p:sldLayoutIdLst>
   <p:txStyles>
     <p:titleStyle>
@@ -2978,8 +2981,8 @@
         </p:nvGrpSpPr>
         <p:grpSpPr>
           <a:xfrm>
-            <a:off x="1092580" y="650656"/>
-            <a:ext cx="9689123" cy="6002837"/>
+            <a:off x="819436" y="1345242"/>
+            <a:ext cx="7266842" cy="4502128"/>
             <a:chOff x="1119399" y="694635"/>
             <a:chExt cx="9948229" cy="6163365"/>
           </a:xfrm>
@@ -3046,8 +3049,8 @@
         </p:nvSpPr>
         <p:spPr>
           <a:xfrm>
-            <a:off x="24760" y="210988"/>
-            <a:ext cx="959981" cy="369332"/>
+            <a:off x="18570" y="1015491"/>
+            <a:ext cx="719986" cy="507831"/>
           </a:xfrm>
           <a:prstGeom prst="rect">
             <a:avLst/>
@@ -3061,12 +3064,12 @@
           <a:lstStyle/>
           <a:p>
             <a:r>
-              <a:rPr lang="en-HK" dirty="0" smtClean="0">
+              <a:rPr lang="en-HK" sz="1350" dirty="0">
                 <a:latin typeface="Century Gothic" panose="020B0502020202020204" pitchFamily="34" charset="0"/>
               </a:rPr>
               <a:t>Image</a:t>
             </a:r>
-            <a:endParaRPr lang="en-US" dirty="0">
+            <a:endParaRPr lang="en-US" sz="1350" dirty="0">
               <a:latin typeface="Century Gothic" panose="020B0502020202020204" pitchFamily="34" charset="0"/>
             </a:endParaRPr>
           </a:p>
@@ -3080,8 +3083,8 @@
         </p:nvSpPr>
         <p:spPr>
           <a:xfrm>
-            <a:off x="63343" y="4702125"/>
-            <a:ext cx="780722" cy="646331"/>
+            <a:off x="47507" y="4383844"/>
+            <a:ext cx="585542" cy="715581"/>
           </a:xfrm>
           <a:prstGeom prst="rect">
             <a:avLst/>
@@ -3095,12 +3098,12 @@
           <a:lstStyle/>
           <a:p>
             <a:r>
-              <a:rPr lang="en-HK" dirty="0" smtClean="0">
+              <a:rPr lang="en-HK" sz="1350" dirty="0">
                 <a:latin typeface="Century Gothic" panose="020B0502020202020204" pitchFamily="34" charset="0"/>
               </a:rPr>
               <a:t>Raw Data</a:t>
             </a:r>
-            <a:endParaRPr lang="en-US" dirty="0">
+            <a:endParaRPr lang="en-US" sz="1350" dirty="0">
               <a:latin typeface="Century Gothic" panose="020B0502020202020204" pitchFamily="34" charset="0"/>
             </a:endParaRPr>
           </a:p>
@@ -3114,8 +3117,8 @@
         </p:nvSpPr>
         <p:spPr>
           <a:xfrm>
-            <a:off x="10781703" y="5305110"/>
-            <a:ext cx="1725176" cy="646331"/>
+            <a:off x="8086277" y="4836082"/>
+            <a:ext cx="1293882" cy="507831"/>
           </a:xfrm>
           <a:prstGeom prst="rect">
             <a:avLst/>
@@ -3129,12 +3132,12 @@
           <a:lstStyle/>
           <a:p>
             <a:r>
-              <a:rPr lang="en-HK" dirty="0" smtClean="0">
+              <a:rPr lang="en-HK" sz="1350" dirty="0">
                 <a:latin typeface="Century Gothic" panose="020B0502020202020204" pitchFamily="34" charset="0"/>
               </a:rPr>
               <a:t>Loading Process</a:t>
             </a:r>
-            <a:endParaRPr lang="en-US" dirty="0">
+            <a:endParaRPr lang="en-US" sz="1350" dirty="0">
               <a:latin typeface="Century Gothic" panose="020B0502020202020204" pitchFamily="34" charset="0"/>
             </a:endParaRPr>
           </a:p>
@@ -3148,8 +3151,8 @@
         </p:nvSpPr>
         <p:spPr>
           <a:xfrm>
-            <a:off x="10781703" y="2648421"/>
-            <a:ext cx="2118946" cy="369332"/>
+            <a:off x="8086277" y="2843566"/>
+            <a:ext cx="1589210" cy="300082"/>
           </a:xfrm>
           <a:prstGeom prst="rect">
             <a:avLst/>
@@ -3163,12 +3166,12 @@
           <a:lstStyle/>
           <a:p>
             <a:r>
-              <a:rPr lang="en-HK" dirty="0" smtClean="0">
+              <a:rPr lang="en-HK" sz="1350" dirty="0">
                 <a:latin typeface="Century Gothic" panose="020B0502020202020204" pitchFamily="34" charset="0"/>
               </a:rPr>
               <a:t>Parameters</a:t>
             </a:r>
-            <a:endParaRPr lang="en-US" dirty="0">
+            <a:endParaRPr lang="en-US" sz="1350" dirty="0">
               <a:latin typeface="Century Gothic" panose="020B0502020202020204" pitchFamily="34" charset="0"/>
             </a:endParaRPr>
           </a:p>
@@ -3182,8 +3185,8 @@
         </p:nvSpPr>
         <p:spPr>
           <a:xfrm>
-            <a:off x="10781703" y="245301"/>
-            <a:ext cx="1286593" cy="646331"/>
+            <a:off x="8086278" y="1041226"/>
+            <a:ext cx="964945" cy="507831"/>
           </a:xfrm>
           <a:prstGeom prst="rect">
             <a:avLst/>
@@ -3197,12 +3200,12 @@
           <a:lstStyle/>
           <a:p>
             <a:r>
-              <a:rPr lang="en-HK" dirty="0" smtClean="0">
+              <a:rPr lang="en-HK" sz="1350" dirty="0">
                 <a:latin typeface="Century Gothic" panose="020B0502020202020204" pitchFamily="34" charset="0"/>
               </a:rPr>
               <a:t>Condition Control</a:t>
             </a:r>
-            <a:endParaRPr lang="en-US" dirty="0">
+            <a:endParaRPr lang="en-US" sz="1350" dirty="0">
               <a:latin typeface="Century Gothic" panose="020B0502020202020204" pitchFamily="34" charset="0"/>
             </a:endParaRPr>
           </a:p>
@@ -3216,8 +3219,8 @@
         </p:nvSpPr>
         <p:spPr>
           <a:xfrm>
-            <a:off x="6216609" y="210988"/>
-            <a:ext cx="1670094" cy="369332"/>
+            <a:off x="4662457" y="1015491"/>
+            <a:ext cx="1252571" cy="507831"/>
           </a:xfrm>
           <a:prstGeom prst="rect">
             <a:avLst/>
@@ -3231,12 +3234,12 @@
           <a:lstStyle/>
           <a:p>
             <a:r>
-              <a:rPr lang="en-HK" dirty="0" smtClean="0">
+              <a:rPr lang="en-HK" sz="1350" dirty="0">
                 <a:latin typeface="Century Gothic" panose="020B0502020202020204" pitchFamily="34" charset="0"/>
               </a:rPr>
               <a:t>Image Adjust</a:t>
             </a:r>
-            <a:endParaRPr lang="en-US" dirty="0">
+            <a:endParaRPr lang="en-US" sz="1350" dirty="0">
               <a:latin typeface="Century Gothic" panose="020B0502020202020204" pitchFamily="34" charset="0"/>
             </a:endParaRPr>
           </a:p>
@@ -3250,8 +3253,8 @@
         </p:nvSpPr>
         <p:spPr>
           <a:xfrm>
-            <a:off x="10781703" y="3329342"/>
-            <a:ext cx="1410297" cy="369332"/>
+            <a:off x="8086278" y="3354256"/>
+            <a:ext cx="1057723" cy="300082"/>
           </a:xfrm>
           <a:prstGeom prst="rect">
             <a:avLst/>
@@ -3265,12 +3268,12 @@
           <a:lstStyle/>
           <a:p>
             <a:r>
-              <a:rPr lang="en-HK" dirty="0" smtClean="0">
+              <a:rPr lang="en-HK" sz="1350" dirty="0">
                 <a:latin typeface="Century Gothic" panose="020B0502020202020204" pitchFamily="34" charset="0"/>
               </a:rPr>
               <a:t>DMD Info</a:t>
             </a:r>
-            <a:endParaRPr lang="en-US" dirty="0">
+            <a:endParaRPr lang="en-US" sz="1350" dirty="0">
               <a:latin typeface="Century Gothic" panose="020B0502020202020204" pitchFamily="34" charset="0"/>
             </a:endParaRPr>
           </a:p>
@@ -3286,8 +3289,8 @@
         </p:nvCxnSpPr>
         <p:spPr>
           <a:xfrm>
-            <a:off x="504751" y="580320"/>
-            <a:ext cx="1236128" cy="817657"/>
+            <a:off x="378563" y="1523322"/>
+            <a:ext cx="927096" cy="382411"/>
           </a:xfrm>
           <a:prstGeom prst="straightConnector1">
             <a:avLst/>
@@ -3324,8 +3327,8 @@
         </p:nvCxnSpPr>
         <p:spPr>
           <a:xfrm>
-            <a:off x="844065" y="5025291"/>
-            <a:ext cx="2189283" cy="760045"/>
+            <a:off x="633049" y="4741635"/>
+            <a:ext cx="1641962" cy="454617"/>
           </a:xfrm>
           <a:prstGeom prst="straightConnector1">
             <a:avLst/>
@@ -3362,8 +3365,8 @@
         </p:nvCxnSpPr>
         <p:spPr>
           <a:xfrm flipV="1">
-            <a:off x="844065" y="4273059"/>
-            <a:ext cx="2189283" cy="752232"/>
+            <a:off x="633049" y="4062045"/>
+            <a:ext cx="1641962" cy="679590"/>
           </a:xfrm>
           <a:prstGeom prst="straightConnector1">
             <a:avLst/>
@@ -3400,8 +3403,8 @@
         </p:nvCxnSpPr>
         <p:spPr>
           <a:xfrm flipH="1">
-            <a:off x="6805246" y="580320"/>
-            <a:ext cx="246410" cy="381648"/>
+            <a:off x="5103934" y="1523322"/>
+            <a:ext cx="184809" cy="55404"/>
           </a:xfrm>
           <a:prstGeom prst="straightConnector1">
             <a:avLst/>
@@ -3438,8 +3441,8 @@
         </p:nvCxnSpPr>
         <p:spPr>
           <a:xfrm flipH="1">
-            <a:off x="9258300" y="891632"/>
-            <a:ext cx="2166700" cy="919062"/>
+            <a:off x="6943726" y="1549057"/>
+            <a:ext cx="1625025" cy="666214"/>
           </a:xfrm>
           <a:prstGeom prst="straightConnector1">
             <a:avLst/>
@@ -3475,9 +3478,9 @@
           <p:nvPr/>
         </p:nvCxnSpPr>
         <p:spPr>
-          <a:xfrm flipH="1">
-            <a:off x="10541977" y="2833087"/>
-            <a:ext cx="239726" cy="0"/>
+          <a:xfrm flipH="1" flipV="1">
+            <a:off x="7906484" y="2982066"/>
+            <a:ext cx="179793" cy="11541"/>
           </a:xfrm>
           <a:prstGeom prst="straightConnector1">
             <a:avLst/>
@@ -3514,8 +3517,8 @@
         </p:nvCxnSpPr>
         <p:spPr>
           <a:xfrm flipH="1">
-            <a:off x="6734908" y="3514008"/>
-            <a:ext cx="4046795" cy="335253"/>
+            <a:off x="5051182" y="3504297"/>
+            <a:ext cx="3035096" cy="239899"/>
           </a:xfrm>
           <a:prstGeom prst="straightConnector1">
             <a:avLst/>
@@ -3552,8 +3555,8 @@
         </p:nvCxnSpPr>
         <p:spPr>
           <a:xfrm flipH="1">
-            <a:off x="9073662" y="5628276"/>
-            <a:ext cx="1708041" cy="252829"/>
+            <a:off x="6805247" y="5089998"/>
+            <a:ext cx="1281030" cy="178081"/>
           </a:xfrm>
           <a:prstGeom prst="straightConnector1">
             <a:avLst/>
@@ -3618,8 +3621,8 @@
         </p:nvSpPr>
         <p:spPr>
           <a:xfrm>
-            <a:off x="5159179" y="1540043"/>
-            <a:ext cx="1800000" cy="576000"/>
+            <a:off x="3868043" y="1519958"/>
+            <a:ext cx="1350000" cy="432000"/>
           </a:xfrm>
           <a:prstGeom prst="rect">
             <a:avLst/>
@@ -3653,12 +3656,12 @@
           <a:p>
             <a:pPr algn="ctr"/>
             <a:r>
-              <a:rPr lang="en-HK" dirty="0" smtClean="0">
+              <a:rPr lang="en-HK" sz="1350" dirty="0">
                 <a:latin typeface="Century Gothic" panose="020B0502020202020204" pitchFamily="34" charset="0"/>
               </a:rPr>
               <a:t>No Sequence</a:t>
             </a:r>
-            <a:endParaRPr lang="en-US" dirty="0">
+            <a:endParaRPr lang="en-US" sz="1350" dirty="0">
               <a:latin typeface="Century Gothic" panose="020B0502020202020204" pitchFamily="34" charset="0"/>
             </a:endParaRPr>
           </a:p>
@@ -3672,8 +3675,8 @@
         </p:nvSpPr>
         <p:spPr>
           <a:xfrm>
-            <a:off x="5159179" y="451075"/>
-            <a:ext cx="1800000" cy="576000"/>
+            <a:off x="3868043" y="447015"/>
+            <a:ext cx="1350000" cy="432000"/>
           </a:xfrm>
           <a:prstGeom prst="rect">
             <a:avLst/>
@@ -3707,12 +3710,12 @@
           <a:p>
             <a:pPr algn="ctr"/>
             <a:r>
-              <a:rPr lang="en-HK" dirty="0" smtClean="0">
+              <a:rPr lang="en-HK" sz="1350" dirty="0">
                 <a:latin typeface="Century Gothic" panose="020B0502020202020204" pitchFamily="34" charset="0"/>
               </a:rPr>
               <a:t>Initialization</a:t>
             </a:r>
-            <a:endParaRPr lang="en-US" dirty="0">
+            <a:endParaRPr lang="en-US" sz="1350" dirty="0">
               <a:latin typeface="Century Gothic" panose="020B0502020202020204" pitchFamily="34" charset="0"/>
             </a:endParaRPr>
           </a:p>
@@ -3726,8 +3729,8 @@
         </p:nvSpPr>
         <p:spPr>
           <a:xfrm>
-            <a:off x="5159179" y="4806947"/>
-            <a:ext cx="1800000" cy="576000"/>
+            <a:off x="3869384" y="4738787"/>
+            <a:ext cx="1350000" cy="432000"/>
           </a:xfrm>
           <a:prstGeom prst="rect">
             <a:avLst/>
@@ -3761,12 +3764,12 @@
           <a:p>
             <a:pPr algn="ctr"/>
             <a:r>
-              <a:rPr lang="en-HK" dirty="0" smtClean="0">
+              <a:rPr lang="en-HK" sz="1350" dirty="0">
                 <a:latin typeface="Century Gothic" panose="020B0502020202020204" pitchFamily="34" charset="0"/>
               </a:rPr>
               <a:t>Projecting</a:t>
             </a:r>
-            <a:endParaRPr lang="en-US" dirty="0">
+            <a:endParaRPr lang="en-US" sz="1350" dirty="0">
               <a:latin typeface="Century Gothic" panose="020B0502020202020204" pitchFamily="34" charset="0"/>
             </a:endParaRPr>
           </a:p>
@@ -3780,8 +3783,8 @@
         </p:nvSpPr>
         <p:spPr>
           <a:xfrm>
-            <a:off x="5159179" y="2629011"/>
-            <a:ext cx="1800000" cy="576000"/>
+            <a:off x="3869384" y="2592901"/>
+            <a:ext cx="1350000" cy="432000"/>
           </a:xfrm>
           <a:prstGeom prst="rect">
             <a:avLst/>
@@ -3815,12 +3818,12 @@
           <a:p>
             <a:pPr algn="ctr"/>
             <a:r>
-              <a:rPr lang="en-HK" dirty="0" smtClean="0">
+              <a:rPr lang="en-HK" sz="1350" dirty="0">
                 <a:latin typeface="Century Gothic" panose="020B0502020202020204" pitchFamily="34" charset="0"/>
               </a:rPr>
               <a:t>Loading</a:t>
             </a:r>
-            <a:endParaRPr lang="en-US" dirty="0">
+            <a:endParaRPr lang="en-US" sz="1350" dirty="0">
               <a:latin typeface="Century Gothic" panose="020B0502020202020204" pitchFamily="34" charset="0"/>
             </a:endParaRPr>
           </a:p>
@@ -3834,8 +3837,8 @@
         </p:nvSpPr>
         <p:spPr>
           <a:xfrm>
-            <a:off x="5159179" y="3717979"/>
-            <a:ext cx="1800000" cy="576000"/>
+            <a:off x="3869384" y="3665844"/>
+            <a:ext cx="1350000" cy="432000"/>
           </a:xfrm>
           <a:prstGeom prst="rect">
             <a:avLst/>
@@ -3869,12 +3872,12 @@
           <a:p>
             <a:pPr algn="ctr"/>
             <a:r>
-              <a:rPr lang="en-HK" dirty="0" smtClean="0">
+              <a:rPr lang="en-HK" sz="1350" dirty="0">
                 <a:latin typeface="Century Gothic" panose="020B0502020202020204" pitchFamily="34" charset="0"/>
               </a:rPr>
               <a:t>Idle</a:t>
             </a:r>
-            <a:endParaRPr lang="en-US" dirty="0">
+            <a:endParaRPr lang="en-US" sz="1350" dirty="0">
               <a:latin typeface="Century Gothic" panose="020B0502020202020204" pitchFamily="34" charset="0"/>
             </a:endParaRPr>
           </a:p>
@@ -3888,8 +3891,8 @@
         </p:nvSpPr>
         <p:spPr>
           <a:xfrm>
-            <a:off x="5159179" y="5895915"/>
-            <a:ext cx="1800000" cy="576000"/>
+            <a:off x="3868043" y="5811729"/>
+            <a:ext cx="1350000" cy="432000"/>
           </a:xfrm>
           <a:prstGeom prst="rect">
             <a:avLst/>
@@ -3923,12 +3926,12 @@
           <a:p>
             <a:pPr algn="ctr"/>
             <a:r>
-              <a:rPr lang="en-HK" dirty="0" smtClean="0">
+              <a:rPr lang="en-HK" sz="1350" dirty="0">
                 <a:latin typeface="Century Gothic" panose="020B0502020202020204" pitchFamily="34" charset="0"/>
               </a:rPr>
               <a:t>Imaging</a:t>
             </a:r>
-            <a:endParaRPr lang="en-US" dirty="0">
+            <a:endParaRPr lang="en-US" sz="1350" dirty="0">
               <a:latin typeface="Century Gothic" panose="020B0502020202020204" pitchFamily="34" charset="0"/>
             </a:endParaRPr>
           </a:p>
@@ -3942,8 +3945,8 @@
         </p:nvSpPr>
         <p:spPr>
           <a:xfrm>
-            <a:off x="1042737" y="451075"/>
-            <a:ext cx="2261936" cy="523220"/>
+            <a:off x="1297060" y="447015"/>
+            <a:ext cx="1696452" cy="415498"/>
           </a:xfrm>
           <a:prstGeom prst="rect">
             <a:avLst/>
@@ -3957,12 +3960,12 @@
           <a:lstStyle/>
           <a:p>
             <a:r>
-              <a:rPr lang="en-HK" sz="2800" dirty="0" smtClean="0">
+              <a:rPr lang="en-HK" sz="2100" dirty="0">
                 <a:latin typeface="Century Gothic" panose="020B0502020202020204" pitchFamily="34" charset="0"/>
               </a:rPr>
               <a:t>While Loop</a:t>
             </a:r>
-            <a:endParaRPr lang="en-US" sz="2800" dirty="0">
+            <a:endParaRPr lang="en-US" sz="2100" dirty="0">
               <a:latin typeface="Century Gothic" panose="020B0502020202020204" pitchFamily="34" charset="0"/>
             </a:endParaRPr>
           </a:p>
@@ -3979,15 +3982,18 @@
         </p:nvCxnSpPr>
         <p:spPr>
           <a:xfrm rot="10800000">
-            <a:off x="5159179" y="1828043"/>
-            <a:ext cx="12700" cy="2177936"/>
+            <a:off x="3868044" y="1735958"/>
+            <a:ext cx="1341" cy="2145886"/>
           </a:xfrm>
           <a:prstGeom prst="bentConnector3">
             <a:avLst>
-              <a:gd name="adj1" fmla="val 4705260"/>
+              <a:gd name="adj1" fmla="val 28119761"/>
             </a:avLst>
           </a:prstGeom>
           <a:ln>
+            <a:solidFill>
+              <a:srgbClr val="FF0000"/>
+            </a:solidFill>
             <a:tailEnd type="triangle"/>
           </a:ln>
         </p:spPr>
@@ -4014,8 +4020,8 @@
         </p:nvSpPr>
         <p:spPr>
           <a:xfrm>
-            <a:off x="2352710" y="2529348"/>
-            <a:ext cx="2088000" cy="576000"/>
+            <a:off x="1843360" y="2592901"/>
+            <a:ext cx="1260000" cy="432000"/>
           </a:xfrm>
           <a:prstGeom prst="ellipse">
             <a:avLst/>
@@ -4049,17 +4055,19 @@
           <a:p>
             <a:pPr algn="ctr"/>
             <a:r>
-              <a:rPr lang="en-HK" dirty="0" smtClean="0">
+              <a:rPr lang="en-HK" sz="1350" dirty="0">
                 <a:solidFill>
-                  <a:schemeClr val="tx1"/>
+                  <a:srgbClr val="FF0000"/>
                 </a:solidFill>
+                <a:latin typeface="Century Gothic" panose="020B0502020202020204" pitchFamily="34" charset="0"/>
               </a:rPr>
               <a:t>Free Patterns</a:t>
             </a:r>
-            <a:endParaRPr lang="en-US" dirty="0">
+            <a:endParaRPr lang="en-US" sz="1350" dirty="0">
               <a:solidFill>
-                <a:schemeClr val="tx1"/>
+                <a:srgbClr val="FF0000"/>
               </a:solidFill>
+              <a:latin typeface="Century Gothic" panose="020B0502020202020204" pitchFamily="34" charset="0"/>
             </a:endParaRPr>
           </a:p>
         </p:txBody>
@@ -4072,8 +4080,8 @@
         </p:nvSpPr>
         <p:spPr>
           <a:xfrm>
-            <a:off x="1634241" y="3330316"/>
-            <a:ext cx="2088000" cy="576000"/>
+            <a:off x="4599618" y="2052902"/>
+            <a:ext cx="1260000" cy="432000"/>
           </a:xfrm>
           <a:prstGeom prst="ellipse">
             <a:avLst/>
@@ -4107,17 +4115,19 @@
           <a:p>
             <a:pPr algn="ctr"/>
             <a:r>
-              <a:rPr lang="en-HK" dirty="0" smtClean="0">
+              <a:rPr lang="en-HK" sz="1350" dirty="0">
                 <a:solidFill>
-                  <a:schemeClr val="tx1"/>
+                  <a:srgbClr val="FF0000"/>
                 </a:solidFill>
+                <a:latin typeface="Century Gothic" panose="020B0502020202020204" pitchFamily="34" charset="0"/>
               </a:rPr>
               <a:t>Load Patterns</a:t>
             </a:r>
-            <a:endParaRPr lang="en-US" dirty="0">
+            <a:endParaRPr lang="en-US" sz="1350" dirty="0">
               <a:solidFill>
-                <a:schemeClr val="tx1"/>
+                <a:srgbClr val="FF0000"/>
               </a:solidFill>
+              <a:latin typeface="Century Gothic" panose="020B0502020202020204" pitchFamily="34" charset="0"/>
             </a:endParaRPr>
           </a:p>
         </p:txBody>
@@ -4130,8 +4140,8 @@
         </p:nvSpPr>
         <p:spPr>
           <a:xfrm>
-            <a:off x="1956458" y="4469115"/>
-            <a:ext cx="2088000" cy="576000"/>
+            <a:off x="6501799" y="4738786"/>
+            <a:ext cx="1260000" cy="432000"/>
           </a:xfrm>
           <a:prstGeom prst="ellipse">
             <a:avLst/>
@@ -4165,17 +4175,19 @@
           <a:p>
             <a:pPr algn="ctr"/>
             <a:r>
-              <a:rPr lang="en-HK" dirty="0" smtClean="0">
+              <a:rPr lang="en-HK" sz="1350" dirty="0">
                 <a:solidFill>
-                  <a:schemeClr val="tx1"/>
+                  <a:srgbClr val="FF0000"/>
                 </a:solidFill>
+                <a:latin typeface="Century Gothic" panose="020B0502020202020204" pitchFamily="34" charset="0"/>
               </a:rPr>
               <a:t>Stop</a:t>
             </a:r>
-            <a:endParaRPr lang="en-US" dirty="0">
+            <a:endParaRPr lang="en-US" sz="1350" dirty="0">
               <a:solidFill>
-                <a:schemeClr val="tx1"/>
+                <a:srgbClr val="FF0000"/>
               </a:solidFill>
+              <a:latin typeface="Century Gothic" panose="020B0502020202020204" pitchFamily="34" charset="0"/>
             </a:endParaRPr>
           </a:p>
         </p:txBody>
@@ -4188,8 +4200,8 @@
         </p:nvSpPr>
         <p:spPr>
           <a:xfrm>
-            <a:off x="1956457" y="5558083"/>
-            <a:ext cx="2088000" cy="576000"/>
+            <a:off x="4572000" y="4198786"/>
+            <a:ext cx="1260000" cy="432000"/>
           </a:xfrm>
           <a:prstGeom prst="ellipse">
             <a:avLst/>
@@ -4223,18 +4235,757 @@
           <a:p>
             <a:pPr algn="ctr"/>
             <a:r>
-              <a:rPr lang="en-HK" dirty="0" err="1" smtClean="0">
+              <a:rPr lang="en-HK" sz="1350" dirty="0">
                 <a:solidFill>
-                  <a:schemeClr val="tx1"/>
+                  <a:srgbClr val="FF0000"/>
                 </a:solidFill>
+                <a:latin typeface="Century Gothic" panose="020B0502020202020204" pitchFamily="34" charset="0"/>
               </a:rPr>
-              <a:t>Proj&amp;Image</a:t>
-            </a:r>
-            <a:endParaRPr lang="en-US" dirty="0">
+              <a:t>Proj&amp; Image</a:t>
+            </a:r>
+            <a:endParaRPr lang="en-US" sz="1350" dirty="0">
               <a:solidFill>
-                <a:schemeClr val="tx1"/>
+                <a:srgbClr val="FF0000"/>
               </a:solidFill>
+              <a:latin typeface="Century Gothic" panose="020B0502020202020204" pitchFamily="34" charset="0"/>
             </a:endParaRPr>
+          </a:p>
+        </p:txBody>
+      </p:sp>
+      <p:cxnSp>
+        <p:nvCxnSpPr>
+          <p:cNvPr id="3" name="直接箭头连接符 2">
+            <a:extLst>
+              <a:ext uri="{FF2B5EF4-FFF2-40B4-BE49-F238E27FC236}">
+                <a16:creationId xmlns:a16="http://schemas.microsoft.com/office/drawing/2014/main" id="{040EA76D-A0DB-4AE3-8305-578CD3209EC2}"/>
+              </a:ext>
+            </a:extLst>
+          </p:cNvPr>
+          <p:cNvCxnSpPr>
+            <a:cxnSpLocks/>
+            <a:stCxn id="4" idx="2"/>
+            <a:endCxn id="7" idx="0"/>
+          </p:cNvCxnSpPr>
+          <p:nvPr/>
+        </p:nvCxnSpPr>
+        <p:spPr>
+          <a:xfrm>
+            <a:off x="4543043" y="1951958"/>
+            <a:ext cx="1341" cy="640943"/>
+          </a:xfrm>
+          <a:prstGeom prst="straightConnector1">
+            <a:avLst/>
+          </a:prstGeom>
+          <a:ln>
+            <a:solidFill>
+              <a:srgbClr val="FF0000"/>
+            </a:solidFill>
+            <a:tailEnd type="triangle"/>
+          </a:ln>
+        </p:spPr>
+        <p:style>
+          <a:lnRef idx="1">
+            <a:schemeClr val="accent1"/>
+          </a:lnRef>
+          <a:fillRef idx="0">
+            <a:schemeClr val="accent1"/>
+          </a:fillRef>
+          <a:effectRef idx="0">
+            <a:schemeClr val="accent1"/>
+          </a:effectRef>
+          <a:fontRef idx="minor">
+            <a:schemeClr val="tx1"/>
+          </a:fontRef>
+        </p:style>
+      </p:cxnSp>
+      <p:cxnSp>
+        <p:nvCxnSpPr>
+          <p:cNvPr id="20" name="直接箭头连接符 19">
+            <a:extLst>
+              <a:ext uri="{FF2B5EF4-FFF2-40B4-BE49-F238E27FC236}">
+                <a16:creationId xmlns:a16="http://schemas.microsoft.com/office/drawing/2014/main" id="{81939DFE-21B5-4CFD-813F-3384844EF4A4}"/>
+              </a:ext>
+            </a:extLst>
+          </p:cNvPr>
+          <p:cNvCxnSpPr>
+            <a:cxnSpLocks/>
+            <a:stCxn id="5" idx="2"/>
+            <a:endCxn id="4" idx="0"/>
+          </p:cNvCxnSpPr>
+          <p:nvPr/>
+        </p:nvCxnSpPr>
+        <p:spPr>
+          <a:xfrm>
+            <a:off x="4543043" y="879015"/>
+            <a:ext cx="0" cy="640943"/>
+          </a:xfrm>
+          <a:prstGeom prst="straightConnector1">
+            <a:avLst/>
+          </a:prstGeom>
+          <a:ln>
+            <a:solidFill>
+              <a:schemeClr val="accent1"/>
+            </a:solidFill>
+            <a:tailEnd type="triangle"/>
+          </a:ln>
+        </p:spPr>
+        <p:style>
+          <a:lnRef idx="1">
+            <a:schemeClr val="accent1"/>
+          </a:lnRef>
+          <a:fillRef idx="0">
+            <a:schemeClr val="accent1"/>
+          </a:fillRef>
+          <a:effectRef idx="0">
+            <a:schemeClr val="accent1"/>
+          </a:effectRef>
+          <a:fontRef idx="minor">
+            <a:schemeClr val="tx1"/>
+          </a:fontRef>
+        </p:style>
+      </p:cxnSp>
+      <p:cxnSp>
+        <p:nvCxnSpPr>
+          <p:cNvPr id="21" name="直接箭头连接符 20">
+            <a:extLst>
+              <a:ext uri="{FF2B5EF4-FFF2-40B4-BE49-F238E27FC236}">
+                <a16:creationId xmlns:a16="http://schemas.microsoft.com/office/drawing/2014/main" id="{E2555E89-5B1B-4269-BBFE-994C350E4B95}"/>
+              </a:ext>
+            </a:extLst>
+          </p:cNvPr>
+          <p:cNvCxnSpPr>
+            <a:cxnSpLocks/>
+            <a:stCxn id="7" idx="2"/>
+            <a:endCxn id="8" idx="0"/>
+          </p:cNvCxnSpPr>
+          <p:nvPr/>
+        </p:nvCxnSpPr>
+        <p:spPr>
+          <a:xfrm>
+            <a:off x="4544384" y="3024901"/>
+            <a:ext cx="0" cy="640943"/>
+          </a:xfrm>
+          <a:prstGeom prst="straightConnector1">
+            <a:avLst/>
+          </a:prstGeom>
+          <a:ln>
+            <a:solidFill>
+              <a:schemeClr val="accent1"/>
+            </a:solidFill>
+            <a:tailEnd type="triangle"/>
+          </a:ln>
+        </p:spPr>
+        <p:style>
+          <a:lnRef idx="1">
+            <a:schemeClr val="accent1"/>
+          </a:lnRef>
+          <a:fillRef idx="0">
+            <a:schemeClr val="accent1"/>
+          </a:fillRef>
+          <a:effectRef idx="0">
+            <a:schemeClr val="accent1"/>
+          </a:effectRef>
+          <a:fontRef idx="minor">
+            <a:schemeClr val="tx1"/>
+          </a:fontRef>
+        </p:style>
+      </p:cxnSp>
+      <p:cxnSp>
+        <p:nvCxnSpPr>
+          <p:cNvPr id="31" name="直接箭头连接符 30">
+            <a:extLst>
+              <a:ext uri="{FF2B5EF4-FFF2-40B4-BE49-F238E27FC236}">
+                <a16:creationId xmlns:a16="http://schemas.microsoft.com/office/drawing/2014/main" id="{9A5BABB7-1095-45FF-AA81-6815CF74D548}"/>
+              </a:ext>
+            </a:extLst>
+          </p:cNvPr>
+          <p:cNvCxnSpPr>
+            <a:cxnSpLocks/>
+            <a:stCxn id="8" idx="2"/>
+            <a:endCxn id="6" idx="0"/>
+          </p:cNvCxnSpPr>
+          <p:nvPr/>
+        </p:nvCxnSpPr>
+        <p:spPr>
+          <a:xfrm>
+            <a:off x="4544384" y="4097844"/>
+            <a:ext cx="0" cy="640943"/>
+          </a:xfrm>
+          <a:prstGeom prst="straightConnector1">
+            <a:avLst/>
+          </a:prstGeom>
+          <a:ln>
+            <a:solidFill>
+              <a:srgbClr val="FF0000"/>
+            </a:solidFill>
+            <a:tailEnd type="triangle"/>
+          </a:ln>
+        </p:spPr>
+        <p:style>
+          <a:lnRef idx="1">
+            <a:schemeClr val="accent1"/>
+          </a:lnRef>
+          <a:fillRef idx="0">
+            <a:schemeClr val="accent1"/>
+          </a:fillRef>
+          <a:effectRef idx="0">
+            <a:schemeClr val="accent1"/>
+          </a:effectRef>
+          <a:fontRef idx="minor">
+            <a:schemeClr val="tx1"/>
+          </a:fontRef>
+        </p:style>
+      </p:cxnSp>
+      <p:cxnSp>
+        <p:nvCxnSpPr>
+          <p:cNvPr id="34" name="直接箭头连接符 33">
+            <a:extLst>
+              <a:ext uri="{FF2B5EF4-FFF2-40B4-BE49-F238E27FC236}">
+                <a16:creationId xmlns:a16="http://schemas.microsoft.com/office/drawing/2014/main" id="{EB5A6E45-4E96-4E59-8CB1-578C3050B338}"/>
+              </a:ext>
+            </a:extLst>
+          </p:cNvPr>
+          <p:cNvCxnSpPr>
+            <a:cxnSpLocks/>
+            <a:stCxn id="6" idx="2"/>
+            <a:endCxn id="9" idx="0"/>
+          </p:cNvCxnSpPr>
+          <p:nvPr/>
+        </p:nvCxnSpPr>
+        <p:spPr>
+          <a:xfrm flipH="1">
+            <a:off x="4543043" y="5170787"/>
+            <a:ext cx="1341" cy="640942"/>
+          </a:xfrm>
+          <a:prstGeom prst="straightConnector1">
+            <a:avLst/>
+          </a:prstGeom>
+          <a:ln>
+            <a:solidFill>
+              <a:schemeClr val="accent1"/>
+            </a:solidFill>
+            <a:tailEnd type="triangle"/>
+          </a:ln>
+        </p:spPr>
+        <p:style>
+          <a:lnRef idx="1">
+            <a:schemeClr val="accent1"/>
+          </a:lnRef>
+          <a:fillRef idx="0">
+            <a:schemeClr val="accent1"/>
+          </a:fillRef>
+          <a:effectRef idx="0">
+            <a:schemeClr val="accent1"/>
+          </a:effectRef>
+          <a:fontRef idx="minor">
+            <a:schemeClr val="tx1"/>
+          </a:fontRef>
+        </p:style>
+      </p:cxnSp>
+      <p:cxnSp>
+        <p:nvCxnSpPr>
+          <p:cNvPr id="22" name="Elbow Connector 11">
+            <a:extLst>
+              <a:ext uri="{FF2B5EF4-FFF2-40B4-BE49-F238E27FC236}">
+                <a16:creationId xmlns:a16="http://schemas.microsoft.com/office/drawing/2014/main" id="{A2A7912A-8B70-4DE0-ADCE-05D4DD13BF2E}"/>
+              </a:ext>
+            </a:extLst>
+          </p:cNvPr>
+          <p:cNvCxnSpPr>
+            <a:cxnSpLocks/>
+            <a:stCxn id="9" idx="3"/>
+            <a:endCxn id="8" idx="3"/>
+          </p:cNvCxnSpPr>
+          <p:nvPr/>
+        </p:nvCxnSpPr>
+        <p:spPr>
+          <a:xfrm flipV="1">
+            <a:off x="5218043" y="3881844"/>
+            <a:ext cx="1341" cy="2145885"/>
+          </a:xfrm>
+          <a:prstGeom prst="bentConnector3">
+            <a:avLst>
+              <a:gd name="adj1" fmla="val 92780761"/>
+            </a:avLst>
+          </a:prstGeom>
+          <a:ln>
+            <a:solidFill>
+              <a:srgbClr val="FF0000"/>
+            </a:solidFill>
+            <a:tailEnd type="triangle"/>
+          </a:ln>
+        </p:spPr>
+        <p:style>
+          <a:lnRef idx="1">
+            <a:schemeClr val="accent1"/>
+          </a:lnRef>
+          <a:fillRef idx="0">
+            <a:schemeClr val="accent1"/>
+          </a:fillRef>
+          <a:effectRef idx="0">
+            <a:schemeClr val="accent1"/>
+          </a:effectRef>
+          <a:fontRef idx="minor">
+            <a:schemeClr val="tx1"/>
+          </a:fontRef>
+        </p:style>
+      </p:cxnSp>
+      <p:sp>
+        <p:nvSpPr>
+          <p:cNvPr id="14" name="椭圆 13">
+            <a:extLst>
+              <a:ext uri="{FF2B5EF4-FFF2-40B4-BE49-F238E27FC236}">
+                <a16:creationId xmlns:a16="http://schemas.microsoft.com/office/drawing/2014/main" id="{D784AE74-0D26-4380-8CC1-85F21D038C10}"/>
+              </a:ext>
+            </a:extLst>
+          </p:cNvPr>
+          <p:cNvSpPr/>
+          <p:nvPr/>
+        </p:nvSpPr>
+        <p:spPr>
+          <a:xfrm>
+            <a:off x="6293048" y="447015"/>
+            <a:ext cx="1468751" cy="1468751"/>
+          </a:xfrm>
+          <a:prstGeom prst="ellipse">
+            <a:avLst/>
+          </a:prstGeom>
+          <a:noFill/>
+          <a:ln w="28575">
+            <a:solidFill>
+              <a:srgbClr val="FF0000"/>
+            </a:solidFill>
+          </a:ln>
+        </p:spPr>
+        <p:style>
+          <a:lnRef idx="2">
+            <a:schemeClr val="accent1">
+              <a:shade val="50000"/>
+            </a:schemeClr>
+          </a:lnRef>
+          <a:fillRef idx="1">
+            <a:schemeClr val="accent1"/>
+          </a:fillRef>
+          <a:effectRef idx="0">
+            <a:schemeClr val="accent1"/>
+          </a:effectRef>
+          <a:fontRef idx="minor">
+            <a:schemeClr val="lt1"/>
+          </a:fontRef>
+        </p:style>
+        <p:txBody>
+          <a:bodyPr rtlCol="0" anchor="ctr"/>
+          <a:lstStyle/>
+          <a:p>
+            <a:pPr algn="ctr"/>
+            <a:r>
+              <a:rPr lang="en-US" altLang="zh-CN" sz="2800" dirty="0">
+                <a:solidFill>
+                  <a:srgbClr val="FF0000"/>
+                </a:solidFill>
+                <a:latin typeface="Century Gothic" panose="020B0502020202020204" pitchFamily="34" charset="0"/>
+              </a:rPr>
+              <a:t>Quit</a:t>
+            </a:r>
+            <a:endParaRPr lang="zh-CN" altLang="en-US" sz="2800" dirty="0">
+              <a:solidFill>
+                <a:srgbClr val="FF0000"/>
+              </a:solidFill>
+              <a:latin typeface="Century Gothic" panose="020B0502020202020204" pitchFamily="34" charset="0"/>
+            </a:endParaRPr>
+          </a:p>
+        </p:txBody>
+      </p:sp>
+      <p:sp>
+        <p:nvSpPr>
+          <p:cNvPr id="25" name="Oval 15">
+            <a:extLst>
+              <a:ext uri="{FF2B5EF4-FFF2-40B4-BE49-F238E27FC236}">
+                <a16:creationId xmlns:a16="http://schemas.microsoft.com/office/drawing/2014/main" id="{8C137F6B-1492-4C2A-8F80-CC1E4FA27D44}"/>
+              </a:ext>
+            </a:extLst>
+          </p:cNvPr>
+          <p:cNvSpPr/>
+          <p:nvPr/>
+        </p:nvSpPr>
+        <p:spPr>
+          <a:xfrm>
+            <a:off x="1297061" y="4854985"/>
+            <a:ext cx="360000" cy="180000"/>
+          </a:xfrm>
+          <a:prstGeom prst="ellipse">
+            <a:avLst/>
+          </a:prstGeom>
+          <a:noFill/>
+          <a:ln>
+            <a:solidFill>
+              <a:srgbClr val="FF0000"/>
+            </a:solidFill>
+          </a:ln>
+        </p:spPr>
+        <p:style>
+          <a:lnRef idx="2">
+            <a:schemeClr val="accent1">
+              <a:shade val="50000"/>
+            </a:schemeClr>
+          </a:lnRef>
+          <a:fillRef idx="1">
+            <a:schemeClr val="accent1"/>
+          </a:fillRef>
+          <a:effectRef idx="0">
+            <a:schemeClr val="accent1"/>
+          </a:effectRef>
+          <a:fontRef idx="minor">
+            <a:schemeClr val="lt1"/>
+          </a:fontRef>
+        </p:style>
+        <p:txBody>
+          <a:bodyPr rtlCol="0" anchor="ctr"/>
+          <a:lstStyle/>
+          <a:p>
+            <a:pPr algn="ctr"/>
+            <a:endParaRPr lang="en-US" sz="1350" dirty="0">
+              <a:solidFill>
+                <a:srgbClr val="FF0000"/>
+              </a:solidFill>
+              <a:latin typeface="Century Gothic" panose="020B0502020202020204" pitchFamily="34" charset="0"/>
+            </a:endParaRPr>
+          </a:p>
+        </p:txBody>
+      </p:sp>
+      <p:sp>
+        <p:nvSpPr>
+          <p:cNvPr id="15" name="文本框 14">
+            <a:extLst>
+              <a:ext uri="{FF2B5EF4-FFF2-40B4-BE49-F238E27FC236}">
+                <a16:creationId xmlns:a16="http://schemas.microsoft.com/office/drawing/2014/main" id="{ADF70A40-B77F-4D92-9D51-5AA801B42602}"/>
+              </a:ext>
+            </a:extLst>
+          </p:cNvPr>
+          <p:cNvSpPr txBox="1"/>
+          <p:nvPr/>
+        </p:nvSpPr>
+        <p:spPr>
+          <a:xfrm>
+            <a:off x="1661084" y="4755289"/>
+            <a:ext cx="1442277" cy="369332"/>
+          </a:xfrm>
+          <a:prstGeom prst="rect">
+            <a:avLst/>
+          </a:prstGeom>
+          <a:noFill/>
+        </p:spPr>
+        <p:txBody>
+          <a:bodyPr wrap="square" rtlCol="0">
+            <a:spAutoFit/>
+          </a:bodyPr>
+          <a:lstStyle/>
+          <a:p>
+            <a:r>
+              <a:rPr lang="en-US" altLang="zh-CN" dirty="0"/>
+              <a:t>Buttons</a:t>
+            </a:r>
+            <a:endParaRPr lang="zh-CN" altLang="en-US" dirty="0"/>
+          </a:p>
+        </p:txBody>
+      </p:sp>
+      <p:sp>
+        <p:nvSpPr>
+          <p:cNvPr id="28" name="Rectangle 4">
+            <a:extLst>
+              <a:ext uri="{FF2B5EF4-FFF2-40B4-BE49-F238E27FC236}">
+                <a16:creationId xmlns:a16="http://schemas.microsoft.com/office/drawing/2014/main" id="{87ED4DB7-5D63-47CB-926B-44A0F341FEAA}"/>
+              </a:ext>
+            </a:extLst>
+          </p:cNvPr>
+          <p:cNvSpPr/>
+          <p:nvPr/>
+        </p:nvSpPr>
+        <p:spPr>
+          <a:xfrm>
+            <a:off x="1297060" y="5227137"/>
+            <a:ext cx="360000" cy="180000"/>
+          </a:xfrm>
+          <a:prstGeom prst="rect">
+            <a:avLst/>
+          </a:prstGeom>
+          <a:solidFill>
+            <a:schemeClr val="accent1"/>
+          </a:solidFill>
+          <a:ln>
+            <a:noFill/>
+          </a:ln>
+        </p:spPr>
+        <p:style>
+          <a:lnRef idx="2">
+            <a:schemeClr val="accent1">
+              <a:shade val="50000"/>
+            </a:schemeClr>
+          </a:lnRef>
+          <a:fillRef idx="1">
+            <a:schemeClr val="accent1"/>
+          </a:fillRef>
+          <a:effectRef idx="0">
+            <a:schemeClr val="accent1"/>
+          </a:effectRef>
+          <a:fontRef idx="minor">
+            <a:schemeClr val="lt1"/>
+          </a:fontRef>
+        </p:style>
+        <p:txBody>
+          <a:bodyPr rtlCol="0" anchor="ctr"/>
+          <a:lstStyle/>
+          <a:p>
+            <a:pPr algn="ctr"/>
+            <a:endParaRPr lang="en-US" sz="1350" dirty="0">
+              <a:latin typeface="Century Gothic" panose="020B0502020202020204" pitchFamily="34" charset="0"/>
+            </a:endParaRPr>
+          </a:p>
+        </p:txBody>
+      </p:sp>
+      <p:sp>
+        <p:nvSpPr>
+          <p:cNvPr id="29" name="文本框 28">
+            <a:extLst>
+              <a:ext uri="{FF2B5EF4-FFF2-40B4-BE49-F238E27FC236}">
+                <a16:creationId xmlns:a16="http://schemas.microsoft.com/office/drawing/2014/main" id="{32C16583-36DE-4FBB-9181-0BD3FC569D4E}"/>
+              </a:ext>
+            </a:extLst>
+          </p:cNvPr>
+          <p:cNvSpPr txBox="1"/>
+          <p:nvPr/>
+        </p:nvSpPr>
+        <p:spPr>
+          <a:xfrm>
+            <a:off x="1651859" y="5130431"/>
+            <a:ext cx="1603569" cy="369332"/>
+          </a:xfrm>
+          <a:prstGeom prst="rect">
+            <a:avLst/>
+          </a:prstGeom>
+          <a:noFill/>
+        </p:spPr>
+        <p:txBody>
+          <a:bodyPr wrap="square" rtlCol="0">
+            <a:spAutoFit/>
+          </a:bodyPr>
+          <a:lstStyle/>
+          <a:p>
+            <a:r>
+              <a:rPr lang="en-US" altLang="zh-CN" dirty="0"/>
+              <a:t>Conditions</a:t>
+            </a:r>
+            <a:endParaRPr lang="zh-CN" altLang="en-US" dirty="0"/>
+          </a:p>
+        </p:txBody>
+      </p:sp>
+      <p:cxnSp>
+        <p:nvCxnSpPr>
+          <p:cNvPr id="30" name="直接箭头连接符 29">
+            <a:extLst>
+              <a:ext uri="{FF2B5EF4-FFF2-40B4-BE49-F238E27FC236}">
+                <a16:creationId xmlns:a16="http://schemas.microsoft.com/office/drawing/2014/main" id="{BBE0C8F0-9103-477D-B673-D5F079B288E3}"/>
+              </a:ext>
+            </a:extLst>
+          </p:cNvPr>
+          <p:cNvCxnSpPr>
+            <a:cxnSpLocks/>
+          </p:cNvCxnSpPr>
+          <p:nvPr/>
+        </p:nvCxnSpPr>
+        <p:spPr>
+          <a:xfrm>
+            <a:off x="1297060" y="5690239"/>
+            <a:ext cx="360000" cy="0"/>
+          </a:xfrm>
+          <a:prstGeom prst="straightConnector1">
+            <a:avLst/>
+          </a:prstGeom>
+          <a:ln>
+            <a:solidFill>
+              <a:srgbClr val="FF0000"/>
+            </a:solidFill>
+            <a:tailEnd type="triangle"/>
+          </a:ln>
+        </p:spPr>
+        <p:style>
+          <a:lnRef idx="1">
+            <a:schemeClr val="accent1"/>
+          </a:lnRef>
+          <a:fillRef idx="0">
+            <a:schemeClr val="accent1"/>
+          </a:fillRef>
+          <a:effectRef idx="0">
+            <a:schemeClr val="accent1"/>
+          </a:effectRef>
+          <a:fontRef idx="minor">
+            <a:schemeClr val="tx1"/>
+          </a:fontRef>
+        </p:style>
+      </p:cxnSp>
+      <p:sp>
+        <p:nvSpPr>
+          <p:cNvPr id="32" name="文本框 31">
+            <a:extLst>
+              <a:ext uri="{FF2B5EF4-FFF2-40B4-BE49-F238E27FC236}">
+                <a16:creationId xmlns:a16="http://schemas.microsoft.com/office/drawing/2014/main" id="{2975A5EA-0ADC-48C2-866A-E2D59EE82938}"/>
+              </a:ext>
+            </a:extLst>
+          </p:cNvPr>
+          <p:cNvSpPr txBox="1"/>
+          <p:nvPr/>
+        </p:nvSpPr>
+        <p:spPr>
+          <a:xfrm>
+            <a:off x="1648575" y="5505573"/>
+            <a:ext cx="1733394" cy="369332"/>
+          </a:xfrm>
+          <a:prstGeom prst="rect">
+            <a:avLst/>
+          </a:prstGeom>
+          <a:noFill/>
+        </p:spPr>
+        <p:txBody>
+          <a:bodyPr wrap="square" rtlCol="0">
+            <a:spAutoFit/>
+          </a:bodyPr>
+          <a:lstStyle/>
+          <a:p>
+            <a:r>
+              <a:rPr lang="en-US" altLang="zh-CN" dirty="0"/>
+              <a:t>Button triggered</a:t>
+            </a:r>
+            <a:endParaRPr lang="zh-CN" altLang="en-US" dirty="0"/>
+          </a:p>
+        </p:txBody>
+      </p:sp>
+      <p:cxnSp>
+        <p:nvCxnSpPr>
+          <p:cNvPr id="33" name="直接箭头连接符 32">
+            <a:extLst>
+              <a:ext uri="{FF2B5EF4-FFF2-40B4-BE49-F238E27FC236}">
+                <a16:creationId xmlns:a16="http://schemas.microsoft.com/office/drawing/2014/main" id="{46154EFE-B0CB-4104-8B03-E08D989ED618}"/>
+              </a:ext>
+            </a:extLst>
+          </p:cNvPr>
+          <p:cNvCxnSpPr>
+            <a:cxnSpLocks/>
+          </p:cNvCxnSpPr>
+          <p:nvPr/>
+        </p:nvCxnSpPr>
+        <p:spPr>
+          <a:xfrm>
+            <a:off x="1288574" y="6065380"/>
+            <a:ext cx="360000" cy="0"/>
+          </a:xfrm>
+          <a:prstGeom prst="straightConnector1">
+            <a:avLst/>
+          </a:prstGeom>
+          <a:ln>
+            <a:solidFill>
+              <a:schemeClr val="accent1"/>
+            </a:solidFill>
+            <a:tailEnd type="triangle"/>
+          </a:ln>
+        </p:spPr>
+        <p:style>
+          <a:lnRef idx="1">
+            <a:schemeClr val="accent1"/>
+          </a:lnRef>
+          <a:fillRef idx="0">
+            <a:schemeClr val="accent1"/>
+          </a:fillRef>
+          <a:effectRef idx="0">
+            <a:schemeClr val="accent1"/>
+          </a:effectRef>
+          <a:fontRef idx="minor">
+            <a:schemeClr val="tx1"/>
+          </a:fontRef>
+        </p:style>
+      </p:cxnSp>
+      <p:sp>
+        <p:nvSpPr>
+          <p:cNvPr id="36" name="文本框 35">
+            <a:extLst>
+              <a:ext uri="{FF2B5EF4-FFF2-40B4-BE49-F238E27FC236}">
+                <a16:creationId xmlns:a16="http://schemas.microsoft.com/office/drawing/2014/main" id="{56C4B087-C907-4E52-8AC9-A0BD8E05712E}"/>
+              </a:ext>
+            </a:extLst>
+          </p:cNvPr>
+          <p:cNvSpPr txBox="1"/>
+          <p:nvPr/>
+        </p:nvSpPr>
+        <p:spPr>
+          <a:xfrm>
+            <a:off x="1648575" y="5880714"/>
+            <a:ext cx="1300258" cy="369332"/>
+          </a:xfrm>
+          <a:prstGeom prst="rect">
+            <a:avLst/>
+          </a:prstGeom>
+          <a:noFill/>
+        </p:spPr>
+        <p:txBody>
+          <a:bodyPr wrap="square" rtlCol="0">
+            <a:spAutoFit/>
+          </a:bodyPr>
+          <a:lstStyle/>
+          <a:p>
+            <a:r>
+              <a:rPr lang="en-US" altLang="zh-CN" dirty="0"/>
+              <a:t>Automatic</a:t>
+            </a:r>
+            <a:endParaRPr lang="zh-CN" altLang="en-US" dirty="0"/>
+          </a:p>
+        </p:txBody>
+      </p:sp>
+      <p:sp>
+        <p:nvSpPr>
+          <p:cNvPr id="37" name="矩形 36">
+            <a:extLst>
+              <a:ext uri="{FF2B5EF4-FFF2-40B4-BE49-F238E27FC236}">
+                <a16:creationId xmlns:a16="http://schemas.microsoft.com/office/drawing/2014/main" id="{7717326B-F1E9-4037-B17C-3E03C4696E0C}"/>
+              </a:ext>
+            </a:extLst>
+          </p:cNvPr>
+          <p:cNvSpPr/>
+          <p:nvPr/>
+        </p:nvSpPr>
+        <p:spPr>
+          <a:xfrm>
+            <a:off x="1129145" y="235528"/>
+            <a:ext cx="6802582" cy="6175458"/>
+          </a:xfrm>
+          <a:prstGeom prst="rect">
+            <a:avLst/>
+          </a:prstGeom>
+          <a:noFill/>
+          <a:ln>
+            <a:prstDash val="lgDash"/>
+          </a:ln>
+        </p:spPr>
+        <p:style>
+          <a:lnRef idx="2">
+            <a:schemeClr val="accent1">
+              <a:shade val="50000"/>
+            </a:schemeClr>
+          </a:lnRef>
+          <a:fillRef idx="1">
+            <a:schemeClr val="accent1"/>
+          </a:fillRef>
+          <a:effectRef idx="0">
+            <a:schemeClr val="accent1"/>
+          </a:effectRef>
+          <a:fontRef idx="minor">
+            <a:schemeClr val="lt1"/>
+          </a:fontRef>
+        </p:style>
+        <p:txBody>
+          <a:bodyPr rtlCol="0" anchor="ctr"/>
+          <a:lstStyle/>
+          <a:p>
+            <a:pPr algn="ctr"/>
+            <a:endParaRPr lang="zh-CN" altLang="en-US"/>
           </a:p>
         </p:txBody>
       </p:sp>
@@ -4251,10 +5002,70 @@
 </p:sld>
 </file>
 
+<file path=ppt/slides/slide3.xml><?xml version="1.0" encoding="utf-8"?>
+<p:sld xmlns:a="http://schemas.openxmlformats.org/drawingml/2006/main" xmlns:r="http://schemas.openxmlformats.org/officeDocument/2006/relationships" xmlns:p="http://schemas.openxmlformats.org/presentationml/2006/main">
+  <p:cSld>
+    <p:spTree>
+      <p:nvGrpSpPr>
+        <p:cNvPr id="1" name=""/>
+        <p:cNvGrpSpPr/>
+        <p:nvPr/>
+      </p:nvGrpSpPr>
+      <p:grpSpPr>
+        <a:xfrm>
+          <a:off x="0" y="0"/>
+          <a:ext cx="0" cy="0"/>
+          <a:chOff x="0" y="0"/>
+          <a:chExt cx="0" cy="0"/>
+        </a:xfrm>
+      </p:grpSpPr>
+      <p:pic>
+        <p:nvPicPr>
+          <p:cNvPr id="4" name="图片 3">
+            <a:extLst>
+              <a:ext uri="{FF2B5EF4-FFF2-40B4-BE49-F238E27FC236}">
+                <a16:creationId xmlns:a16="http://schemas.microsoft.com/office/drawing/2014/main" id="{C55C1BE9-1E8B-440A-9073-FB012467FCD9}"/>
+              </a:ext>
+            </a:extLst>
+          </p:cNvPr>
+          <p:cNvPicPr>
+            <a:picLocks noChangeAspect="1"/>
+          </p:cNvPicPr>
+          <p:nvPr/>
+        </p:nvPicPr>
+        <p:blipFill>
+          <a:blip r:embed="rId2"/>
+          <a:stretch>
+            <a:fillRect/>
+          </a:stretch>
+        </p:blipFill>
+        <p:spPr>
+          <a:xfrm>
+            <a:off x="1164040" y="335012"/>
+            <a:ext cx="6815919" cy="6187976"/>
+          </a:xfrm>
+          <a:prstGeom prst="rect">
+            <a:avLst/>
+          </a:prstGeom>
+        </p:spPr>
+      </p:pic>
+    </p:spTree>
+    <p:extLst>
+      <p:ext uri="{BB962C8B-B14F-4D97-AF65-F5344CB8AC3E}">
+        <p14:creationId xmlns:p14="http://schemas.microsoft.com/office/powerpoint/2010/main" val="1257020638"/>
+      </p:ext>
+    </p:extLst>
+  </p:cSld>
+  <p:clrMapOvr>
+    <a:masterClrMapping/>
+  </p:clrMapOvr>
+</p:sld>
+</file>
+
 <file path=ppt/theme/theme1.xml><?xml version="1.0" encoding="utf-8"?>
 <a:theme xmlns:a="http://schemas.openxmlformats.org/drawingml/2006/main" name="Office Theme">
   <a:themeElements>
-    <a:clrScheme name="Office">
+    <a:clrScheme name="Office 主题​​">
       <a:dk1>
         <a:sysClr val="windowText" lastClr="000000"/>
       </a:dk1>
@@ -4268,7 +5079,7 @@
         <a:srgbClr val="E7E6E6"/>
       </a:lt2>
       <a:accent1>
-        <a:srgbClr val="5B9BD5"/>
+        <a:srgbClr val="4472C4"/>
       </a:accent1>
       <a:accent2>
         <a:srgbClr val="ED7D31"/>
@@ -4280,7 +5091,7 @@
         <a:srgbClr val="FFC000"/>
       </a:accent4>
       <a:accent5>
-        <a:srgbClr val="4472C4"/>
+        <a:srgbClr val="5B9BD5"/>
       </a:accent5>
       <a:accent6>
         <a:srgbClr val="70AD47"/>
@@ -4292,7 +5103,7 @@
         <a:srgbClr val="954F72"/>
       </a:folHlink>
     </a:clrScheme>
-    <a:fontScheme name="Office">
+    <a:fontScheme name="Office 主题​​">
       <a:majorFont>
         <a:latin typeface="Calibri Light" panose="020F0302020204030204"/>
         <a:ea typeface=""/>
@@ -4364,7 +5175,7 @@
         <a:font script="Geor" typeface="Sylfaen"/>
       </a:minorFont>
     </a:fontScheme>
-    <a:fmtScheme name="Office">
+    <a:fmtScheme name="Office 主题​​">
       <a:fillStyleLst>
         <a:solidFill>
           <a:schemeClr val="phClr"/>
